--- a/0. image&etc/ViewResolver.pptx
+++ b/0. image&etc/ViewResolver.pptx
@@ -5,7 +5,7 @@
     <p:sldMasterId id="2147483648" r:id="rId1"/>
   </p:sldMasterIdLst>
   <p:notesMasterIdLst>
-    <p:notesMasterId r:id="rId12"/>
+    <p:notesMasterId r:id="rId15"/>
   </p:notesMasterIdLst>
   <p:sldIdLst>
     <p:sldId id="257" r:id="rId2"/>
@@ -18,6 +18,9 @@
     <p:sldId id="267" r:id="rId9"/>
     <p:sldId id="268" r:id="rId10"/>
     <p:sldId id="269" r:id="rId11"/>
+    <p:sldId id="270" r:id="rId12"/>
+    <p:sldId id="271" r:id="rId13"/>
+    <p:sldId id="272" r:id="rId14"/>
   </p:sldIdLst>
   <p:sldSz cx="9906000" cy="6858000" type="A4"/>
   <p:notesSz cx="6858000" cy="9144000"/>
@@ -118,7 +121,7 @@
   </p:defaultTextStyle>
   <p:extLst>
     <p:ext uri="{EFAFB233-063F-42B5-8137-9DF3F51BA10A}">
-      <p15:sldGuideLst xmlns:p15="http://schemas.microsoft.com/office/powerpoint/2012/main">
+      <p15:sldGuideLst xmlns:p15="http://schemas.microsoft.com/office/powerpoint/2012/main" xmlns="">
         <p15:guide id="1" orient="horz" pos="2160">
           <p15:clr>
             <a:srgbClr val="A4A3A4"/>
@@ -217,7 +220,8 @@
           <a:p>
             <a:fld id="{164221FE-D509-4582-A82C-A903E6CCD310}" type="datetimeFigureOut">
               <a:rPr lang="ko-KR" altLang="en-US" smtClean="0"/>
-              <a:t>2019-12-15</a:t>
+              <a:pPr/>
+              <a:t>2019-12-18</a:t>
             </a:fld>
             <a:endParaRPr lang="ko-KR" altLang="en-US"/>
           </a:p>
@@ -376,6 +380,7 @@
           <a:p>
             <a:fld id="{74BF05DA-44D9-4286-9CF0-77C1FFA4A7A1}" type="slidenum">
               <a:rPr lang="ko-KR" altLang="en-US" smtClean="0"/>
+              <a:pPr/>
               <a:t>‹#›</a:t>
             </a:fld>
             <a:endParaRPr lang="ko-KR" altLang="en-US"/>
@@ -385,7 +390,7 @@
     </p:spTree>
     <p:extLst>
       <p:ext uri="{BB962C8B-B14F-4D97-AF65-F5344CB8AC3E}">
-        <p14:creationId xmlns:p14="http://schemas.microsoft.com/office/powerpoint/2010/main" val="1845965667"/>
+        <p14:creationId xmlns:p14="http://schemas.microsoft.com/office/powerpoint/2010/main" xmlns="" val="1845965667"/>
       </p:ext>
     </p:extLst>
   </p:cSld>
@@ -550,6 +555,7 @@
           <a:p>
             <a:fld id="{74BF05DA-44D9-4286-9CF0-77C1FFA4A7A1}" type="slidenum">
               <a:rPr lang="ko-KR" altLang="en-US" smtClean="0"/>
+              <a:pPr/>
               <a:t>2</a:t>
             </a:fld>
             <a:endParaRPr lang="ko-KR" altLang="en-US"/>
@@ -559,7 +565,262 @@
     </p:spTree>
     <p:extLst>
       <p:ext uri="{BB962C8B-B14F-4D97-AF65-F5344CB8AC3E}">
-        <p14:creationId xmlns:p14="http://schemas.microsoft.com/office/powerpoint/2010/main" val="101509055"/>
+        <p14:creationId xmlns:p14="http://schemas.microsoft.com/office/powerpoint/2010/main" xmlns="" val="101509055"/>
+      </p:ext>
+    </p:extLst>
+  </p:cSld>
+  <p:clrMapOvr>
+    <a:masterClrMapping/>
+  </p:clrMapOvr>
+</p:notes>
+</file>
+
+<file path=ppt/notesSlides/notesSlide10.xml><?xml version="1.0" encoding="utf-8"?>
+<p:notes xmlns:a="http://schemas.openxmlformats.org/drawingml/2006/main" xmlns:r="http://schemas.openxmlformats.org/officeDocument/2006/relationships" xmlns:p="http://schemas.openxmlformats.org/presentationml/2006/main">
+  <p:cSld>
+    <p:spTree>
+      <p:nvGrpSpPr>
+        <p:cNvPr id="1" name=""/>
+        <p:cNvGrpSpPr/>
+        <p:nvPr/>
+      </p:nvGrpSpPr>
+      <p:grpSpPr>
+        <a:xfrm>
+          <a:off x="0" y="0"/>
+          <a:ext cx="0" cy="0"/>
+          <a:chOff x="0" y="0"/>
+          <a:chExt cx="0" cy="0"/>
+        </a:xfrm>
+      </p:grpSpPr>
+      <p:sp>
+        <p:nvSpPr>
+          <p:cNvPr id="2" name="슬라이드 이미지 개체 틀 1"/>
+          <p:cNvSpPr>
+            <a:spLocks noGrp="1" noRot="1" noChangeAspect="1"/>
+          </p:cNvSpPr>
+          <p:nvPr>
+            <p:ph type="sldImg"/>
+          </p:nvPr>
+        </p:nvSpPr>
+        <p:spPr/>
+      </p:sp>
+      <p:sp>
+        <p:nvSpPr>
+          <p:cNvPr id="3" name="슬라이드 노트 개체 틀 2"/>
+          <p:cNvSpPr>
+            <a:spLocks noGrp="1"/>
+          </p:cNvSpPr>
+          <p:nvPr>
+            <p:ph type="body" idx="1"/>
+          </p:nvPr>
+        </p:nvSpPr>
+        <p:spPr/>
+        <p:txBody>
+          <a:bodyPr/>
+          <a:lstStyle/>
+          <a:p>
+            <a:endParaRPr lang="ko-KR" altLang="en-US" dirty="0"/>
+          </a:p>
+        </p:txBody>
+      </p:sp>
+      <p:sp>
+        <p:nvSpPr>
+          <p:cNvPr id="4" name="슬라이드 번호 개체 틀 3"/>
+          <p:cNvSpPr>
+            <a:spLocks noGrp="1"/>
+          </p:cNvSpPr>
+          <p:nvPr>
+            <p:ph type="sldNum" sz="quarter" idx="10"/>
+          </p:nvPr>
+        </p:nvSpPr>
+        <p:spPr/>
+        <p:txBody>
+          <a:bodyPr/>
+          <a:lstStyle/>
+          <a:p>
+            <a:fld id="{74BF05DA-44D9-4286-9CF0-77C1FFA4A7A1}" type="slidenum">
+              <a:rPr lang="ko-KR" altLang="en-US" smtClean="0"/>
+              <a:pPr/>
+              <a:t>11</a:t>
+            </a:fld>
+            <a:endParaRPr lang="ko-KR" altLang="en-US"/>
+          </a:p>
+        </p:txBody>
+      </p:sp>
+    </p:spTree>
+    <p:extLst>
+      <p:ext uri="{BB962C8B-B14F-4D97-AF65-F5344CB8AC3E}">
+        <p14:creationId xmlns:p14="http://schemas.microsoft.com/office/powerpoint/2010/main" xmlns="" val="3067725968"/>
+      </p:ext>
+    </p:extLst>
+  </p:cSld>
+  <p:clrMapOvr>
+    <a:masterClrMapping/>
+  </p:clrMapOvr>
+</p:notes>
+</file>
+
+<file path=ppt/notesSlides/notesSlide11.xml><?xml version="1.0" encoding="utf-8"?>
+<p:notes xmlns:a="http://schemas.openxmlformats.org/drawingml/2006/main" xmlns:r="http://schemas.openxmlformats.org/officeDocument/2006/relationships" xmlns:p="http://schemas.openxmlformats.org/presentationml/2006/main">
+  <p:cSld>
+    <p:spTree>
+      <p:nvGrpSpPr>
+        <p:cNvPr id="1" name=""/>
+        <p:cNvGrpSpPr/>
+        <p:nvPr/>
+      </p:nvGrpSpPr>
+      <p:grpSpPr>
+        <a:xfrm>
+          <a:off x="0" y="0"/>
+          <a:ext cx="0" cy="0"/>
+          <a:chOff x="0" y="0"/>
+          <a:chExt cx="0" cy="0"/>
+        </a:xfrm>
+      </p:grpSpPr>
+      <p:sp>
+        <p:nvSpPr>
+          <p:cNvPr id="2" name="슬라이드 이미지 개체 틀 1"/>
+          <p:cNvSpPr>
+            <a:spLocks noGrp="1" noRot="1" noChangeAspect="1"/>
+          </p:cNvSpPr>
+          <p:nvPr>
+            <p:ph type="sldImg"/>
+          </p:nvPr>
+        </p:nvSpPr>
+        <p:spPr/>
+      </p:sp>
+      <p:sp>
+        <p:nvSpPr>
+          <p:cNvPr id="3" name="슬라이드 노트 개체 틀 2"/>
+          <p:cNvSpPr>
+            <a:spLocks noGrp="1"/>
+          </p:cNvSpPr>
+          <p:nvPr>
+            <p:ph type="body" idx="1"/>
+          </p:nvPr>
+        </p:nvSpPr>
+        <p:spPr/>
+        <p:txBody>
+          <a:bodyPr/>
+          <a:lstStyle/>
+          <a:p>
+            <a:endParaRPr lang="ko-KR" altLang="en-US" dirty="0"/>
+          </a:p>
+        </p:txBody>
+      </p:sp>
+      <p:sp>
+        <p:nvSpPr>
+          <p:cNvPr id="4" name="슬라이드 번호 개체 틀 3"/>
+          <p:cNvSpPr>
+            <a:spLocks noGrp="1"/>
+          </p:cNvSpPr>
+          <p:nvPr>
+            <p:ph type="sldNum" sz="quarter" idx="10"/>
+          </p:nvPr>
+        </p:nvSpPr>
+        <p:spPr/>
+        <p:txBody>
+          <a:bodyPr/>
+          <a:lstStyle/>
+          <a:p>
+            <a:fld id="{74BF05DA-44D9-4286-9CF0-77C1FFA4A7A1}" type="slidenum">
+              <a:rPr lang="ko-KR" altLang="en-US" smtClean="0"/>
+              <a:pPr/>
+              <a:t>12</a:t>
+            </a:fld>
+            <a:endParaRPr lang="ko-KR" altLang="en-US"/>
+          </a:p>
+        </p:txBody>
+      </p:sp>
+    </p:spTree>
+    <p:extLst>
+      <p:ext uri="{BB962C8B-B14F-4D97-AF65-F5344CB8AC3E}">
+        <p14:creationId xmlns:p14="http://schemas.microsoft.com/office/powerpoint/2010/main" xmlns="" val="3067725968"/>
+      </p:ext>
+    </p:extLst>
+  </p:cSld>
+  <p:clrMapOvr>
+    <a:masterClrMapping/>
+  </p:clrMapOvr>
+</p:notes>
+</file>
+
+<file path=ppt/notesSlides/notesSlide12.xml><?xml version="1.0" encoding="utf-8"?>
+<p:notes xmlns:a="http://schemas.openxmlformats.org/drawingml/2006/main" xmlns:r="http://schemas.openxmlformats.org/officeDocument/2006/relationships" xmlns:p="http://schemas.openxmlformats.org/presentationml/2006/main">
+  <p:cSld>
+    <p:spTree>
+      <p:nvGrpSpPr>
+        <p:cNvPr id="1" name=""/>
+        <p:cNvGrpSpPr/>
+        <p:nvPr/>
+      </p:nvGrpSpPr>
+      <p:grpSpPr>
+        <a:xfrm>
+          <a:off x="0" y="0"/>
+          <a:ext cx="0" cy="0"/>
+          <a:chOff x="0" y="0"/>
+          <a:chExt cx="0" cy="0"/>
+        </a:xfrm>
+      </p:grpSpPr>
+      <p:sp>
+        <p:nvSpPr>
+          <p:cNvPr id="2" name="슬라이드 이미지 개체 틀 1"/>
+          <p:cNvSpPr>
+            <a:spLocks noGrp="1" noRot="1" noChangeAspect="1"/>
+          </p:cNvSpPr>
+          <p:nvPr>
+            <p:ph type="sldImg"/>
+          </p:nvPr>
+        </p:nvSpPr>
+        <p:spPr/>
+      </p:sp>
+      <p:sp>
+        <p:nvSpPr>
+          <p:cNvPr id="3" name="슬라이드 노트 개체 틀 2"/>
+          <p:cNvSpPr>
+            <a:spLocks noGrp="1"/>
+          </p:cNvSpPr>
+          <p:nvPr>
+            <p:ph type="body" idx="1"/>
+          </p:nvPr>
+        </p:nvSpPr>
+        <p:spPr/>
+        <p:txBody>
+          <a:bodyPr/>
+          <a:lstStyle/>
+          <a:p>
+            <a:endParaRPr lang="ko-KR" altLang="en-US" dirty="0"/>
+          </a:p>
+        </p:txBody>
+      </p:sp>
+      <p:sp>
+        <p:nvSpPr>
+          <p:cNvPr id="4" name="슬라이드 번호 개체 틀 3"/>
+          <p:cNvSpPr>
+            <a:spLocks noGrp="1"/>
+          </p:cNvSpPr>
+          <p:nvPr>
+            <p:ph type="sldNum" sz="quarter" idx="10"/>
+          </p:nvPr>
+        </p:nvSpPr>
+        <p:spPr/>
+        <p:txBody>
+          <a:bodyPr/>
+          <a:lstStyle/>
+          <a:p>
+            <a:fld id="{74BF05DA-44D9-4286-9CF0-77C1FFA4A7A1}" type="slidenum">
+              <a:rPr lang="ko-KR" altLang="en-US" smtClean="0"/>
+              <a:pPr/>
+              <a:t>13</a:t>
+            </a:fld>
+            <a:endParaRPr lang="ko-KR" altLang="en-US"/>
+          </a:p>
+        </p:txBody>
+      </p:sp>
+    </p:spTree>
+    <p:extLst>
+      <p:ext uri="{BB962C8B-B14F-4D97-AF65-F5344CB8AC3E}">
+        <p14:creationId xmlns:p14="http://schemas.microsoft.com/office/powerpoint/2010/main" xmlns="" val="3067725968"/>
       </p:ext>
     </p:extLst>
   </p:cSld>
@@ -634,6 +895,7 @@
           <a:p>
             <a:fld id="{74BF05DA-44D9-4286-9CF0-77C1FFA4A7A1}" type="slidenum">
               <a:rPr lang="ko-KR" altLang="en-US" smtClean="0"/>
+              <a:pPr/>
               <a:t>3</a:t>
             </a:fld>
             <a:endParaRPr lang="ko-KR" altLang="en-US"/>
@@ -643,7 +905,7 @@
     </p:spTree>
     <p:extLst>
       <p:ext uri="{BB962C8B-B14F-4D97-AF65-F5344CB8AC3E}">
-        <p14:creationId xmlns:p14="http://schemas.microsoft.com/office/powerpoint/2010/main" val="39500123"/>
+        <p14:creationId xmlns:p14="http://schemas.microsoft.com/office/powerpoint/2010/main" xmlns="" val="39500123"/>
       </p:ext>
     </p:extLst>
   </p:cSld>
@@ -718,6 +980,7 @@
           <a:p>
             <a:fld id="{74BF05DA-44D9-4286-9CF0-77C1FFA4A7A1}" type="slidenum">
               <a:rPr lang="ko-KR" altLang="en-US" smtClean="0"/>
+              <a:pPr/>
               <a:t>4</a:t>
             </a:fld>
             <a:endParaRPr lang="ko-KR" altLang="en-US"/>
@@ -727,7 +990,7 @@
     </p:spTree>
     <p:extLst>
       <p:ext uri="{BB962C8B-B14F-4D97-AF65-F5344CB8AC3E}">
-        <p14:creationId xmlns:p14="http://schemas.microsoft.com/office/powerpoint/2010/main" val="855575771"/>
+        <p14:creationId xmlns:p14="http://schemas.microsoft.com/office/powerpoint/2010/main" xmlns="" val="855575771"/>
       </p:ext>
     </p:extLst>
   </p:cSld>
@@ -802,6 +1065,7 @@
           <a:p>
             <a:fld id="{74BF05DA-44D9-4286-9CF0-77C1FFA4A7A1}" type="slidenum">
               <a:rPr lang="ko-KR" altLang="en-US" smtClean="0"/>
+              <a:pPr/>
               <a:t>5</a:t>
             </a:fld>
             <a:endParaRPr lang="ko-KR" altLang="en-US"/>
@@ -811,7 +1075,7 @@
     </p:spTree>
     <p:extLst>
       <p:ext uri="{BB962C8B-B14F-4D97-AF65-F5344CB8AC3E}">
-        <p14:creationId xmlns:p14="http://schemas.microsoft.com/office/powerpoint/2010/main" val="3975929353"/>
+        <p14:creationId xmlns:p14="http://schemas.microsoft.com/office/powerpoint/2010/main" xmlns="" val="3975929353"/>
       </p:ext>
     </p:extLst>
   </p:cSld>
@@ -886,6 +1150,7 @@
           <a:p>
             <a:fld id="{74BF05DA-44D9-4286-9CF0-77C1FFA4A7A1}" type="slidenum">
               <a:rPr lang="ko-KR" altLang="en-US" smtClean="0"/>
+              <a:pPr/>
               <a:t>6</a:t>
             </a:fld>
             <a:endParaRPr lang="ko-KR" altLang="en-US"/>
@@ -895,7 +1160,7 @@
     </p:spTree>
     <p:extLst>
       <p:ext uri="{BB962C8B-B14F-4D97-AF65-F5344CB8AC3E}">
-        <p14:creationId xmlns:p14="http://schemas.microsoft.com/office/powerpoint/2010/main" val="1974247067"/>
+        <p14:creationId xmlns:p14="http://schemas.microsoft.com/office/powerpoint/2010/main" xmlns="" val="1974247067"/>
       </p:ext>
     </p:extLst>
   </p:cSld>
@@ -970,6 +1235,7 @@
           <a:p>
             <a:fld id="{74BF05DA-44D9-4286-9CF0-77C1FFA4A7A1}" type="slidenum">
               <a:rPr lang="ko-KR" altLang="en-US" smtClean="0"/>
+              <a:pPr/>
               <a:t>7</a:t>
             </a:fld>
             <a:endParaRPr lang="ko-KR" altLang="en-US"/>
@@ -979,7 +1245,7 @@
     </p:spTree>
     <p:extLst>
       <p:ext uri="{BB962C8B-B14F-4D97-AF65-F5344CB8AC3E}">
-        <p14:creationId xmlns:p14="http://schemas.microsoft.com/office/powerpoint/2010/main" val="2778977032"/>
+        <p14:creationId xmlns:p14="http://schemas.microsoft.com/office/powerpoint/2010/main" xmlns="" val="2778977032"/>
       </p:ext>
     </p:extLst>
   </p:cSld>
@@ -1054,6 +1320,7 @@
           <a:p>
             <a:fld id="{74BF05DA-44D9-4286-9CF0-77C1FFA4A7A1}" type="slidenum">
               <a:rPr lang="ko-KR" altLang="en-US" smtClean="0"/>
+              <a:pPr/>
               <a:t>8</a:t>
             </a:fld>
             <a:endParaRPr lang="ko-KR" altLang="en-US"/>
@@ -1063,7 +1330,7 @@
     </p:spTree>
     <p:extLst>
       <p:ext uri="{BB962C8B-B14F-4D97-AF65-F5344CB8AC3E}">
-        <p14:creationId xmlns:p14="http://schemas.microsoft.com/office/powerpoint/2010/main" val="2732144450"/>
+        <p14:creationId xmlns:p14="http://schemas.microsoft.com/office/powerpoint/2010/main" xmlns="" val="2732144450"/>
       </p:ext>
     </p:extLst>
   </p:cSld>
@@ -1138,6 +1405,7 @@
           <a:p>
             <a:fld id="{74BF05DA-44D9-4286-9CF0-77C1FFA4A7A1}" type="slidenum">
               <a:rPr lang="ko-KR" altLang="en-US" smtClean="0"/>
+              <a:pPr/>
               <a:t>9</a:t>
             </a:fld>
             <a:endParaRPr lang="ko-KR" altLang="en-US"/>
@@ -1147,7 +1415,7 @@
     </p:spTree>
     <p:extLst>
       <p:ext uri="{BB962C8B-B14F-4D97-AF65-F5344CB8AC3E}">
-        <p14:creationId xmlns:p14="http://schemas.microsoft.com/office/powerpoint/2010/main" val="2444844459"/>
+        <p14:creationId xmlns:p14="http://schemas.microsoft.com/office/powerpoint/2010/main" xmlns="" val="2444844459"/>
       </p:ext>
     </p:extLst>
   </p:cSld>
@@ -1222,6 +1490,7 @@
           <a:p>
             <a:fld id="{74BF05DA-44D9-4286-9CF0-77C1FFA4A7A1}" type="slidenum">
               <a:rPr lang="ko-KR" altLang="en-US" smtClean="0"/>
+              <a:pPr/>
               <a:t>10</a:t>
             </a:fld>
             <a:endParaRPr lang="ko-KR" altLang="en-US"/>
@@ -1231,7 +1500,7 @@
     </p:spTree>
     <p:extLst>
       <p:ext uri="{BB962C8B-B14F-4D97-AF65-F5344CB8AC3E}">
-        <p14:creationId xmlns:p14="http://schemas.microsoft.com/office/powerpoint/2010/main" val="3067725968"/>
+        <p14:creationId xmlns:p14="http://schemas.microsoft.com/office/powerpoint/2010/main" xmlns="" val="3067725968"/>
       </p:ext>
     </p:extLst>
   </p:cSld>
@@ -1422,7 +1691,8 @@
           <a:p>
             <a:fld id="{9548ACCE-087D-48BC-A6F3-1BB05EDD6B95}" type="datetimeFigureOut">
               <a:rPr lang="ko-KR" altLang="en-US" smtClean="0"/>
-              <a:t>2019-12-15</a:t>
+              <a:pPr/>
+              <a:t>2019-12-18</a:t>
             </a:fld>
             <a:endParaRPr lang="ko-KR" altLang="en-US"/>
           </a:p>
@@ -1464,6 +1734,7 @@
           <a:p>
             <a:fld id="{C2209FBF-5E99-4A5C-8680-16B701687D41}" type="slidenum">
               <a:rPr lang="ko-KR" altLang="en-US" smtClean="0"/>
+              <a:pPr/>
               <a:t>‹#›</a:t>
             </a:fld>
             <a:endParaRPr lang="ko-KR" altLang="en-US"/>
@@ -1587,7 +1858,8 @@
           <a:p>
             <a:fld id="{9548ACCE-087D-48BC-A6F3-1BB05EDD6B95}" type="datetimeFigureOut">
               <a:rPr lang="ko-KR" altLang="en-US" smtClean="0"/>
-              <a:t>2019-12-15</a:t>
+              <a:pPr/>
+              <a:t>2019-12-18</a:t>
             </a:fld>
             <a:endParaRPr lang="ko-KR" altLang="en-US"/>
           </a:p>
@@ -1629,6 +1901,7 @@
           <a:p>
             <a:fld id="{C2209FBF-5E99-4A5C-8680-16B701687D41}" type="slidenum">
               <a:rPr lang="ko-KR" altLang="en-US" smtClean="0"/>
+              <a:pPr/>
               <a:t>‹#›</a:t>
             </a:fld>
             <a:endParaRPr lang="ko-KR" altLang="en-US"/>
@@ -1762,7 +2035,8 @@
           <a:p>
             <a:fld id="{9548ACCE-087D-48BC-A6F3-1BB05EDD6B95}" type="datetimeFigureOut">
               <a:rPr lang="ko-KR" altLang="en-US" smtClean="0"/>
-              <a:t>2019-12-15</a:t>
+              <a:pPr/>
+              <a:t>2019-12-18</a:t>
             </a:fld>
             <a:endParaRPr lang="ko-KR" altLang="en-US"/>
           </a:p>
@@ -1804,6 +2078,7 @@
           <a:p>
             <a:fld id="{C2209FBF-5E99-4A5C-8680-16B701687D41}" type="slidenum">
               <a:rPr lang="ko-KR" altLang="en-US" smtClean="0"/>
+              <a:pPr/>
               <a:t>‹#›</a:t>
             </a:fld>
             <a:endParaRPr lang="ko-KR" altLang="en-US"/>
@@ -1927,7 +2202,8 @@
           <a:p>
             <a:fld id="{9548ACCE-087D-48BC-A6F3-1BB05EDD6B95}" type="datetimeFigureOut">
               <a:rPr lang="ko-KR" altLang="en-US" smtClean="0"/>
-              <a:t>2019-12-15</a:t>
+              <a:pPr/>
+              <a:t>2019-12-18</a:t>
             </a:fld>
             <a:endParaRPr lang="ko-KR" altLang="en-US"/>
           </a:p>
@@ -1969,6 +2245,7 @@
           <a:p>
             <a:fld id="{C2209FBF-5E99-4A5C-8680-16B701687D41}" type="slidenum">
               <a:rPr lang="ko-KR" altLang="en-US" smtClean="0"/>
+              <a:pPr/>
               <a:t>‹#›</a:t>
             </a:fld>
             <a:endParaRPr lang="ko-KR" altLang="en-US"/>
@@ -2168,7 +2445,8 @@
           <a:p>
             <a:fld id="{9548ACCE-087D-48BC-A6F3-1BB05EDD6B95}" type="datetimeFigureOut">
               <a:rPr lang="ko-KR" altLang="en-US" smtClean="0"/>
-              <a:t>2019-12-15</a:t>
+              <a:pPr/>
+              <a:t>2019-12-18</a:t>
             </a:fld>
             <a:endParaRPr lang="ko-KR" altLang="en-US"/>
           </a:p>
@@ -2210,6 +2488,7 @@
           <a:p>
             <a:fld id="{C2209FBF-5E99-4A5C-8680-16B701687D41}" type="slidenum">
               <a:rPr lang="ko-KR" altLang="en-US" smtClean="0"/>
+              <a:pPr/>
               <a:t>‹#›</a:t>
             </a:fld>
             <a:endParaRPr lang="ko-KR" altLang="en-US"/>
@@ -2451,7 +2730,8 @@
           <a:p>
             <a:fld id="{9548ACCE-087D-48BC-A6F3-1BB05EDD6B95}" type="datetimeFigureOut">
               <a:rPr lang="ko-KR" altLang="en-US" smtClean="0"/>
-              <a:t>2019-12-15</a:t>
+              <a:pPr/>
+              <a:t>2019-12-18</a:t>
             </a:fld>
             <a:endParaRPr lang="ko-KR" altLang="en-US"/>
           </a:p>
@@ -2493,6 +2773,7 @@
           <a:p>
             <a:fld id="{C2209FBF-5E99-4A5C-8680-16B701687D41}" type="slidenum">
               <a:rPr lang="ko-KR" altLang="en-US" smtClean="0"/>
+              <a:pPr/>
               <a:t>‹#›</a:t>
             </a:fld>
             <a:endParaRPr lang="ko-KR" altLang="en-US"/>
@@ -2873,7 +3154,8 @@
           <a:p>
             <a:fld id="{9548ACCE-087D-48BC-A6F3-1BB05EDD6B95}" type="datetimeFigureOut">
               <a:rPr lang="ko-KR" altLang="en-US" smtClean="0"/>
-              <a:t>2019-12-15</a:t>
+              <a:pPr/>
+              <a:t>2019-12-18</a:t>
             </a:fld>
             <a:endParaRPr lang="ko-KR" altLang="en-US"/>
           </a:p>
@@ -2915,6 +3197,7 @@
           <a:p>
             <a:fld id="{C2209FBF-5E99-4A5C-8680-16B701687D41}" type="slidenum">
               <a:rPr lang="ko-KR" altLang="en-US" smtClean="0"/>
+              <a:pPr/>
               <a:t>‹#›</a:t>
             </a:fld>
             <a:endParaRPr lang="ko-KR" altLang="en-US"/>
@@ -2986,7 +3269,8 @@
           <a:p>
             <a:fld id="{9548ACCE-087D-48BC-A6F3-1BB05EDD6B95}" type="datetimeFigureOut">
               <a:rPr lang="ko-KR" altLang="en-US" smtClean="0"/>
-              <a:t>2019-12-15</a:t>
+              <a:pPr/>
+              <a:t>2019-12-18</a:t>
             </a:fld>
             <a:endParaRPr lang="ko-KR" altLang="en-US"/>
           </a:p>
@@ -3028,6 +3312,7 @@
           <a:p>
             <a:fld id="{C2209FBF-5E99-4A5C-8680-16B701687D41}" type="slidenum">
               <a:rPr lang="ko-KR" altLang="en-US" smtClean="0"/>
+              <a:pPr/>
               <a:t>‹#›</a:t>
             </a:fld>
             <a:endParaRPr lang="ko-KR" altLang="en-US"/>
@@ -3076,7 +3361,8 @@
           <a:p>
             <a:fld id="{9548ACCE-087D-48BC-A6F3-1BB05EDD6B95}" type="datetimeFigureOut">
               <a:rPr lang="ko-KR" altLang="en-US" smtClean="0"/>
-              <a:t>2019-12-15</a:t>
+              <a:pPr/>
+              <a:t>2019-12-18</a:t>
             </a:fld>
             <a:endParaRPr lang="ko-KR" altLang="en-US"/>
           </a:p>
@@ -3118,6 +3404,7 @@
           <a:p>
             <a:fld id="{C2209FBF-5E99-4A5C-8680-16B701687D41}" type="slidenum">
               <a:rPr lang="ko-KR" altLang="en-US" smtClean="0"/>
+              <a:pPr/>
               <a:t>‹#›</a:t>
             </a:fld>
             <a:endParaRPr lang="ko-KR" altLang="en-US"/>
@@ -3348,7 +3635,8 @@
           <a:p>
             <a:fld id="{9548ACCE-087D-48BC-A6F3-1BB05EDD6B95}" type="datetimeFigureOut">
               <a:rPr lang="ko-KR" altLang="en-US" smtClean="0"/>
-              <a:t>2019-12-15</a:t>
+              <a:pPr/>
+              <a:t>2019-12-18</a:t>
             </a:fld>
             <a:endParaRPr lang="ko-KR" altLang="en-US"/>
           </a:p>
@@ -3390,6 +3678,7 @@
           <a:p>
             <a:fld id="{C2209FBF-5E99-4A5C-8680-16B701687D41}" type="slidenum">
               <a:rPr lang="ko-KR" altLang="en-US" smtClean="0"/>
+              <a:pPr/>
               <a:t>‹#›</a:t>
             </a:fld>
             <a:endParaRPr lang="ko-KR" altLang="en-US"/>
@@ -3596,7 +3885,8 @@
           <a:p>
             <a:fld id="{9548ACCE-087D-48BC-A6F3-1BB05EDD6B95}" type="datetimeFigureOut">
               <a:rPr lang="ko-KR" altLang="en-US" smtClean="0"/>
-              <a:t>2019-12-15</a:t>
+              <a:pPr/>
+              <a:t>2019-12-18</a:t>
             </a:fld>
             <a:endParaRPr lang="ko-KR" altLang="en-US"/>
           </a:p>
@@ -3638,6 +3928,7 @@
           <a:p>
             <a:fld id="{C2209FBF-5E99-4A5C-8680-16B701687D41}" type="slidenum">
               <a:rPr lang="ko-KR" altLang="en-US" smtClean="0"/>
+              <a:pPr/>
               <a:t>‹#›</a:t>
             </a:fld>
             <a:endParaRPr lang="ko-KR" altLang="en-US"/>
@@ -3804,7 +4095,8 @@
           <a:p>
             <a:fld id="{9548ACCE-087D-48BC-A6F3-1BB05EDD6B95}" type="datetimeFigureOut">
               <a:rPr lang="ko-KR" altLang="en-US" smtClean="0"/>
-              <a:t>2019-12-15</a:t>
+              <a:pPr/>
+              <a:t>2019-12-18</a:t>
             </a:fld>
             <a:endParaRPr lang="ko-KR" altLang="en-US"/>
           </a:p>
@@ -3882,6 +4174,7 @@
           <a:p>
             <a:fld id="{C2209FBF-5E99-4A5C-8680-16B701687D41}" type="slidenum">
               <a:rPr lang="ko-KR" altLang="en-US" smtClean="0"/>
+              <a:pPr/>
               <a:t>‹#›</a:t>
             </a:fld>
             <a:endParaRPr lang="ko-KR" altLang="en-US"/>
@@ -4570,7 +4863,31 @@
                 <a:latin typeface="한컴 윤고딕 240" pitchFamily="18" charset="-127"/>
                 <a:ea typeface="한컴 윤고딕 240" pitchFamily="18" charset="-127"/>
               </a:rPr>
-              <a:t>김진호 김정하 김수연 양찬식 양찬식</a:t>
+              <a:t>김진호 김정하 김수연 양찬식 </a:t>
+            </a:r>
+            <a:r>
+              <a:rPr lang="ko-KR" altLang="en-US" sz="2000" dirty="0" smtClean="0">
+                <a:solidFill>
+                  <a:schemeClr val="bg1">
+                    <a:lumMod val="95000"/>
+                  </a:schemeClr>
+                </a:solidFill>
+                <a:latin typeface="한컴 윤고딕 240" pitchFamily="18" charset="-127"/>
+                <a:ea typeface="한컴 윤고딕 240" pitchFamily="18" charset="-127"/>
+              </a:rPr>
+              <a:t>오형</a:t>
+            </a:r>
+            <a:r>
+              <a:rPr lang="ko-KR" altLang="en-US" sz="2000" dirty="0" smtClean="0">
+                <a:solidFill>
+                  <a:schemeClr val="bg1">
+                    <a:lumMod val="95000"/>
+                  </a:schemeClr>
+                </a:solidFill>
+                <a:latin typeface="한컴 윤고딕 240" pitchFamily="18" charset="-127"/>
+                <a:ea typeface="한컴 윤고딕 240" pitchFamily="18" charset="-127"/>
+              </a:rPr>
+              <a:t>남</a:t>
             </a:r>
             <a:endParaRPr lang="en-US" altLang="ko-KR" sz="2000" dirty="0" smtClean="0">
               <a:solidFill>
@@ -5829,7 +6146,2484 @@
     </p:spTree>
     <p:extLst>
       <p:ext uri="{BB962C8B-B14F-4D97-AF65-F5344CB8AC3E}">
-        <p14:creationId xmlns:p14="http://schemas.microsoft.com/office/powerpoint/2010/main" val="1830022981"/>
+        <p14:creationId xmlns:p14="http://schemas.microsoft.com/office/powerpoint/2010/main" xmlns="" val="1830022981"/>
+      </p:ext>
+    </p:extLst>
+  </p:cSld>
+  <p:clrMapOvr>
+    <a:masterClrMapping/>
+  </p:clrMapOvr>
+  <p:timing>
+    <p:tnLst>
+      <p:par>
+        <p:cTn id="1" dur="indefinite" restart="never" nodeType="tmRoot"/>
+      </p:par>
+    </p:tnLst>
+  </p:timing>
+</p:sld>
+</file>
+
+<file path=ppt/slides/slide11.xml><?xml version="1.0" encoding="utf-8"?>
+<p:sld xmlns:a="http://schemas.openxmlformats.org/drawingml/2006/main" xmlns:r="http://schemas.openxmlformats.org/officeDocument/2006/relationships" xmlns:p="http://schemas.openxmlformats.org/presentationml/2006/main">
+  <p:cSld>
+    <p:spTree>
+      <p:nvGrpSpPr>
+        <p:cNvPr id="1" name=""/>
+        <p:cNvGrpSpPr/>
+        <p:nvPr/>
+      </p:nvGrpSpPr>
+      <p:grpSpPr>
+        <a:xfrm>
+          <a:off x="0" y="0"/>
+          <a:ext cx="0" cy="0"/>
+          <a:chOff x="0" y="0"/>
+          <a:chExt cx="0" cy="0"/>
+        </a:xfrm>
+      </p:grpSpPr>
+      <p:grpSp>
+        <p:nvGrpSpPr>
+          <p:cNvPr id="2" name="그룹 38"/>
+          <p:cNvGrpSpPr/>
+          <p:nvPr/>
+        </p:nvGrpSpPr>
+        <p:grpSpPr>
+          <a:xfrm>
+            <a:off x="26636" y="1742752"/>
+            <a:ext cx="9852728" cy="4226244"/>
+            <a:chOff x="10365968" y="1742752"/>
+            <a:chExt cx="9852728" cy="4226244"/>
+          </a:xfrm>
+        </p:grpSpPr>
+        <p:pic>
+          <p:nvPicPr>
+            <p:cNvPr id="40" name="그림 39" descr="springframework.png"/>
+            <p:cNvPicPr>
+              <a:picLocks noChangeAspect="1"/>
+            </p:cNvPicPr>
+            <p:nvPr/>
+          </p:nvPicPr>
+          <p:blipFill>
+            <a:blip r:embed="rId3">
+              <a:duotone>
+                <a:schemeClr val="accent3">
+                  <a:shade val="45000"/>
+                  <a:satMod val="135000"/>
+                </a:schemeClr>
+                <a:prstClr val="white"/>
+              </a:duotone>
+            </a:blip>
+            <a:stretch>
+              <a:fillRect/>
+            </a:stretch>
+          </p:blipFill>
+          <p:spPr>
+            <a:xfrm>
+              <a:off x="10365968" y="1742753"/>
+              <a:ext cx="9838563" cy="4226243"/>
+            </a:xfrm>
+            <a:prstGeom prst="rect">
+              <a:avLst/>
+            </a:prstGeom>
+          </p:spPr>
+        </p:pic>
+        <p:sp>
+          <p:nvSpPr>
+            <p:cNvPr id="41" name="직사각형 40"/>
+            <p:cNvSpPr/>
+            <p:nvPr/>
+          </p:nvSpPr>
+          <p:spPr>
+            <a:xfrm>
+              <a:off x="13954000" y="1742752"/>
+              <a:ext cx="6264696" cy="4226243"/>
+            </a:xfrm>
+            <a:prstGeom prst="rect">
+              <a:avLst/>
+            </a:prstGeom>
+            <a:gradFill flip="none" rotWithShape="1">
+              <a:gsLst>
+                <a:gs pos="0">
+                  <a:schemeClr val="tx1">
+                    <a:lumMod val="85000"/>
+                    <a:lumOff val="15000"/>
+                    <a:alpha val="0"/>
+                  </a:schemeClr>
+                </a:gs>
+                <a:gs pos="70000">
+                  <a:schemeClr val="tx1">
+                    <a:lumMod val="85000"/>
+                    <a:lumOff val="15000"/>
+                    <a:alpha val="80000"/>
+                  </a:schemeClr>
+                </a:gs>
+                <a:gs pos="100000">
+                  <a:schemeClr val="tx1">
+                    <a:lumMod val="85000"/>
+                    <a:lumOff val="15000"/>
+                    <a:alpha val="90000"/>
+                  </a:schemeClr>
+                </a:gs>
+              </a:gsLst>
+              <a:lin ang="0" scaled="1"/>
+              <a:tileRect/>
+            </a:gradFill>
+            <a:ln>
+              <a:noFill/>
+            </a:ln>
+          </p:spPr>
+          <p:style>
+            <a:lnRef idx="2">
+              <a:schemeClr val="accent1">
+                <a:shade val="50000"/>
+              </a:schemeClr>
+            </a:lnRef>
+            <a:fillRef idx="1">
+              <a:schemeClr val="accent1"/>
+            </a:fillRef>
+            <a:effectRef idx="0">
+              <a:schemeClr val="accent1"/>
+            </a:effectRef>
+            <a:fontRef idx="minor">
+              <a:schemeClr val="lt1"/>
+            </a:fontRef>
+          </p:style>
+          <p:txBody>
+            <a:bodyPr rtlCol="0" anchor="ctr"/>
+            <a:lstStyle/>
+            <a:p>
+              <a:pPr algn="ctr"/>
+              <a:endParaRPr lang="ko-KR" altLang="en-US"/>
+            </a:p>
+          </p:txBody>
+        </p:sp>
+      </p:grpSp>
+      <p:pic>
+        <p:nvPicPr>
+          <p:cNvPr id="2050" name="Picture 2" descr="C:\Users\USER\Desktop\2차 프로젝트(WEB)_4조\images\macbook_PNG36.png"/>
+          <p:cNvPicPr>
+            <a:picLocks noChangeAspect="1" noChangeArrowheads="1"/>
+          </p:cNvPicPr>
+          <p:nvPr/>
+        </p:nvPicPr>
+        <p:blipFill>
+          <a:blip r:embed="rId4"/>
+          <a:srcRect l="9199" r="9199"/>
+          <a:stretch>
+            <a:fillRect/>
+          </a:stretch>
+        </p:blipFill>
+        <p:spPr bwMode="auto">
+          <a:xfrm>
+            <a:off x="0" y="0"/>
+            <a:ext cx="9906000" cy="6970871"/>
+          </a:xfrm>
+          <a:prstGeom prst="rect">
+            <a:avLst/>
+          </a:prstGeom>
+          <a:noFill/>
+        </p:spPr>
+      </p:pic>
+      <p:sp>
+        <p:nvSpPr>
+          <p:cNvPr id="3" name="직사각형 2"/>
+          <p:cNvSpPr/>
+          <p:nvPr/>
+        </p:nvSpPr>
+        <p:spPr>
+          <a:xfrm>
+            <a:off x="0" y="0"/>
+            <a:ext cx="9906000" cy="6858000"/>
+          </a:xfrm>
+          <a:prstGeom prst="rect">
+            <a:avLst/>
+          </a:prstGeom>
+          <a:solidFill>
+            <a:schemeClr val="tx1">
+              <a:lumMod val="85000"/>
+              <a:lumOff val="15000"/>
+              <a:alpha val="60000"/>
+            </a:schemeClr>
+          </a:solidFill>
+          <a:ln>
+            <a:noFill/>
+          </a:ln>
+        </p:spPr>
+        <p:style>
+          <a:lnRef idx="2">
+            <a:schemeClr val="accent1">
+              <a:shade val="50000"/>
+            </a:schemeClr>
+          </a:lnRef>
+          <a:fillRef idx="1">
+            <a:schemeClr val="accent1"/>
+          </a:fillRef>
+          <a:effectRef idx="0">
+            <a:schemeClr val="accent1"/>
+          </a:effectRef>
+          <a:fontRef idx="minor">
+            <a:schemeClr val="lt1"/>
+          </a:fontRef>
+        </p:style>
+        <p:txBody>
+          <a:bodyPr rtlCol="0" anchor="ctr"/>
+          <a:lstStyle/>
+          <a:p>
+            <a:pPr algn="ctr"/>
+            <a:endParaRPr lang="ko-KR" altLang="en-US"/>
+          </a:p>
+        </p:txBody>
+      </p:sp>
+      <p:grpSp>
+        <p:nvGrpSpPr>
+          <p:cNvPr id="4" name="그룹 19"/>
+          <p:cNvGrpSpPr/>
+          <p:nvPr/>
+        </p:nvGrpSpPr>
+        <p:grpSpPr>
+          <a:xfrm>
+            <a:off x="469098" y="1213678"/>
+            <a:ext cx="5564022" cy="400110"/>
+            <a:chOff x="469098" y="1285686"/>
+            <a:chExt cx="4843942" cy="400110"/>
+          </a:xfrm>
+        </p:grpSpPr>
+        <p:sp>
+          <p:nvSpPr>
+            <p:cNvPr id="24" name="TextBox 23"/>
+            <p:cNvSpPr txBox="1"/>
+            <p:nvPr/>
+          </p:nvSpPr>
+          <p:spPr>
+            <a:xfrm>
+              <a:off x="469098" y="1285686"/>
+              <a:ext cx="4843942" cy="400110"/>
+            </a:xfrm>
+            <a:prstGeom prst="rect">
+              <a:avLst/>
+            </a:prstGeom>
+            <a:noFill/>
+          </p:spPr>
+          <p:txBody>
+            <a:bodyPr wrap="square" rtlCol="0">
+              <a:spAutoFit/>
+            </a:bodyPr>
+            <a:lstStyle/>
+            <a:p>
+              <a:r>
+                <a:rPr lang="en-US" altLang="ko-KR" sz="2000" dirty="0" smtClean="0">
+                  <a:solidFill>
+                    <a:schemeClr val="bg1">
+                      <a:lumMod val="95000"/>
+                    </a:schemeClr>
+                  </a:solidFill>
+                  <a:latin typeface="한컴 윤고딕 250" pitchFamily="18" charset="-127"/>
+                  <a:ea typeface="한컴 윤고딕 250" pitchFamily="18" charset="-127"/>
+                </a:rPr>
+                <a:t>Multiple </a:t>
+              </a:r>
+              <a:r>
+                <a:rPr lang="en-US" altLang="ko-KR" sz="2000" dirty="0" err="1" smtClean="0">
+                  <a:solidFill>
+                    <a:schemeClr val="bg1">
+                      <a:lumMod val="95000"/>
+                    </a:schemeClr>
+                  </a:solidFill>
+                  <a:latin typeface="한컴 윤고딕 250" pitchFamily="18" charset="-127"/>
+                  <a:ea typeface="한컴 윤고딕 250" pitchFamily="18" charset="-127"/>
+                </a:rPr>
+                <a:t>ViewResolver</a:t>
+              </a:r>
+              <a:endParaRPr lang="en-US" altLang="ko-KR" sz="2000" dirty="0" smtClean="0">
+                <a:solidFill>
+                  <a:schemeClr val="bg1">
+                    <a:lumMod val="95000"/>
+                  </a:schemeClr>
+                </a:solidFill>
+                <a:latin typeface="한컴 윤고딕 250" pitchFamily="18" charset="-127"/>
+                <a:ea typeface="한컴 윤고딕 250" pitchFamily="18" charset="-127"/>
+              </a:endParaRPr>
+            </a:p>
+          </p:txBody>
+        </p:sp>
+        <p:cxnSp>
+          <p:nvCxnSpPr>
+            <p:cNvPr id="26" name="직선 연결선 25"/>
+            <p:cNvCxnSpPr/>
+            <p:nvPr/>
+          </p:nvCxnSpPr>
+          <p:spPr>
+            <a:xfrm>
+              <a:off x="577204" y="1685796"/>
+              <a:ext cx="2914711" cy="0"/>
+            </a:xfrm>
+            <a:prstGeom prst="line">
+              <a:avLst/>
+            </a:prstGeom>
+            <a:ln w="19050">
+              <a:solidFill>
+                <a:schemeClr val="bg1">
+                  <a:lumMod val="75000"/>
+                </a:schemeClr>
+              </a:solidFill>
+            </a:ln>
+          </p:spPr>
+          <p:style>
+            <a:lnRef idx="1">
+              <a:schemeClr val="accent1"/>
+            </a:lnRef>
+            <a:fillRef idx="0">
+              <a:schemeClr val="accent1"/>
+            </a:fillRef>
+            <a:effectRef idx="0">
+              <a:schemeClr val="accent1"/>
+            </a:effectRef>
+            <a:fontRef idx="minor">
+              <a:schemeClr val="tx1"/>
+            </a:fontRef>
+          </p:style>
+        </p:cxnSp>
+      </p:grpSp>
+      <p:grpSp>
+        <p:nvGrpSpPr>
+          <p:cNvPr id="5" name="그룹 28"/>
+          <p:cNvGrpSpPr/>
+          <p:nvPr/>
+        </p:nvGrpSpPr>
+        <p:grpSpPr>
+          <a:xfrm>
+            <a:off x="5851866" y="641157"/>
+            <a:ext cx="4357718" cy="613925"/>
+            <a:chOff x="0" y="641157"/>
+            <a:chExt cx="4357718" cy="613925"/>
+          </a:xfrm>
+        </p:grpSpPr>
+        <p:sp>
+          <p:nvSpPr>
+            <p:cNvPr id="31" name="TextBox 30"/>
+            <p:cNvSpPr txBox="1"/>
+            <p:nvPr/>
+          </p:nvSpPr>
+          <p:spPr>
+            <a:xfrm>
+              <a:off x="1643074" y="641157"/>
+              <a:ext cx="2714644" cy="307777"/>
+            </a:xfrm>
+            <a:prstGeom prst="rect">
+              <a:avLst/>
+            </a:prstGeom>
+            <a:noFill/>
+            <a:ln>
+              <a:noFill/>
+            </a:ln>
+          </p:spPr>
+          <p:txBody>
+            <a:bodyPr wrap="square" rtlCol="0">
+              <a:spAutoFit/>
+            </a:bodyPr>
+            <a:lstStyle/>
+            <a:p>
+              <a:r>
+                <a:rPr lang="en-US" altLang="ko-KR" sz="1400" dirty="0" err="1" smtClean="0">
+                  <a:solidFill>
+                    <a:schemeClr val="bg1">
+                      <a:lumMod val="65000"/>
+                    </a:schemeClr>
+                  </a:solidFill>
+                  <a:latin typeface="한컴 윤고딕 250" pitchFamily="18" charset="-127"/>
+                  <a:ea typeface="한컴 윤고딕 250" pitchFamily="18" charset="-127"/>
+                </a:rPr>
+                <a:t>SpringFramework</a:t>
+              </a:r>
+              <a:endParaRPr lang="en-US" altLang="ko-KR" sz="1400" dirty="0" smtClean="0">
+                <a:solidFill>
+                  <a:schemeClr val="bg1">
+                    <a:lumMod val="65000"/>
+                  </a:schemeClr>
+                </a:solidFill>
+                <a:latin typeface="한컴 윤고딕 250" pitchFamily="18" charset="-127"/>
+                <a:ea typeface="한컴 윤고딕 250" pitchFamily="18" charset="-127"/>
+              </a:endParaRPr>
+            </a:p>
+          </p:txBody>
+        </p:sp>
+        <p:sp>
+          <p:nvSpPr>
+            <p:cNvPr id="33" name="TextBox 32"/>
+            <p:cNvSpPr txBox="1"/>
+            <p:nvPr/>
+          </p:nvSpPr>
+          <p:spPr>
+            <a:xfrm>
+              <a:off x="0" y="916528"/>
+              <a:ext cx="4357718" cy="338554"/>
+            </a:xfrm>
+            <a:prstGeom prst="rect">
+              <a:avLst/>
+            </a:prstGeom>
+            <a:noFill/>
+            <a:ln>
+              <a:noFill/>
+            </a:ln>
+          </p:spPr>
+          <p:txBody>
+            <a:bodyPr wrap="square" rtlCol="0">
+              <a:spAutoFit/>
+            </a:bodyPr>
+            <a:lstStyle/>
+            <a:p>
+              <a:pPr algn="ctr"/>
+              <a:r>
+                <a:rPr lang="en-US" altLang="ko-KR" sz="1600" dirty="0" err="1">
+                  <a:solidFill>
+                    <a:schemeClr val="bg1">
+                      <a:lumMod val="65000"/>
+                    </a:schemeClr>
+                  </a:solidFill>
+                  <a:latin typeface="한컴 윤고딕 250" pitchFamily="18" charset="-127"/>
+                  <a:ea typeface="한컴 윤고딕 250" pitchFamily="18" charset="-127"/>
+                </a:rPr>
+                <a:t>ViewResolver</a:t>
+              </a:r>
+              <a:endParaRPr lang="ko-KR" altLang="en-US" sz="1600" dirty="0">
+                <a:solidFill>
+                  <a:schemeClr val="bg1">
+                    <a:lumMod val="65000"/>
+                  </a:schemeClr>
+                </a:solidFill>
+                <a:latin typeface="한컴 윤고딕 250" pitchFamily="18" charset="-127"/>
+                <a:ea typeface="한컴 윤고딕 250" pitchFamily="18" charset="-127"/>
+              </a:endParaRPr>
+            </a:p>
+          </p:txBody>
+        </p:sp>
+        <p:cxnSp>
+          <p:nvCxnSpPr>
+            <p:cNvPr id="37" name="직선 연결선 36"/>
+            <p:cNvCxnSpPr/>
+            <p:nvPr/>
+          </p:nvCxnSpPr>
+          <p:spPr>
+            <a:xfrm>
+              <a:off x="1693422" y="929740"/>
+              <a:ext cx="1944216" cy="0"/>
+            </a:xfrm>
+            <a:prstGeom prst="line">
+              <a:avLst/>
+            </a:prstGeom>
+            <a:ln w="19050">
+              <a:solidFill>
+                <a:schemeClr val="bg1">
+                  <a:lumMod val="65000"/>
+                </a:schemeClr>
+              </a:solidFill>
+            </a:ln>
+          </p:spPr>
+          <p:style>
+            <a:lnRef idx="1">
+              <a:schemeClr val="accent1"/>
+            </a:lnRef>
+            <a:fillRef idx="0">
+              <a:schemeClr val="accent1"/>
+            </a:fillRef>
+            <a:effectRef idx="0">
+              <a:schemeClr val="accent1"/>
+            </a:effectRef>
+            <a:fontRef idx="minor">
+              <a:schemeClr val="tx1"/>
+            </a:fontRef>
+          </p:style>
+        </p:cxnSp>
+        <p:cxnSp>
+          <p:nvCxnSpPr>
+            <p:cNvPr id="38" name="직선 연결선 37"/>
+            <p:cNvCxnSpPr/>
+            <p:nvPr/>
+          </p:nvCxnSpPr>
+          <p:spPr>
+            <a:xfrm>
+              <a:off x="1333382" y="1218345"/>
+              <a:ext cx="1728192" cy="0"/>
+            </a:xfrm>
+            <a:prstGeom prst="line">
+              <a:avLst/>
+            </a:prstGeom>
+            <a:ln w="19050">
+              <a:solidFill>
+                <a:schemeClr val="bg1">
+                  <a:lumMod val="65000"/>
+                </a:schemeClr>
+              </a:solidFill>
+            </a:ln>
+          </p:spPr>
+          <p:style>
+            <a:lnRef idx="1">
+              <a:schemeClr val="accent1"/>
+            </a:lnRef>
+            <a:fillRef idx="0">
+              <a:schemeClr val="accent1"/>
+            </a:fillRef>
+            <a:effectRef idx="0">
+              <a:schemeClr val="accent1"/>
+            </a:effectRef>
+            <a:fontRef idx="minor">
+              <a:schemeClr val="tx1"/>
+            </a:fontRef>
+          </p:style>
+        </p:cxnSp>
+      </p:grpSp>
+      <p:sp>
+        <p:nvSpPr>
+          <p:cNvPr id="20" name="TextBox 19"/>
+          <p:cNvSpPr txBox="1"/>
+          <p:nvPr/>
+        </p:nvSpPr>
+        <p:spPr>
+          <a:xfrm>
+            <a:off x="916316" y="1772816"/>
+            <a:ext cx="8573188" cy="3016210"/>
+          </a:xfrm>
+          <a:prstGeom prst="rect">
+            <a:avLst/>
+          </a:prstGeom>
+          <a:noFill/>
+        </p:spPr>
+        <p:txBody>
+          <a:bodyPr wrap="square" rtlCol="0" anchor="ctr" anchorCtr="0">
+            <a:spAutoFit/>
+          </a:bodyPr>
+          <a:lstStyle/>
+          <a:p>
+            <a:pPr marL="285750" indent="-285750">
+              <a:spcAft>
+                <a:spcPts val="600"/>
+              </a:spcAft>
+              <a:buFont typeface="Arial" panose="020B0604020202020204" pitchFamily="34" charset="0"/>
+              <a:buChar char="•"/>
+            </a:pPr>
+            <a:r>
+              <a:rPr lang="ko-KR" altLang="en-US" sz="1600" dirty="0" smtClean="0">
+                <a:solidFill>
+                  <a:schemeClr val="bg1">
+                    <a:lumMod val="95000"/>
+                  </a:schemeClr>
+                </a:solidFill>
+                <a:latin typeface="한컴 윤고딕 230" panose="02020603020101020101" pitchFamily="18" charset="-127"/>
+                <a:ea typeface="한컴 윤고딕 230" panose="02020603020101020101" pitchFamily="18" charset="-127"/>
+              </a:rPr>
+              <a:t>여러 개의 </a:t>
+            </a:r>
+            <a:r>
+              <a:rPr lang="en-US" altLang="ko-KR" sz="1600" dirty="0" err="1" smtClean="0">
+                <a:solidFill>
+                  <a:schemeClr val="bg1">
+                    <a:lumMod val="95000"/>
+                  </a:schemeClr>
+                </a:solidFill>
+                <a:latin typeface="한컴 윤고딕 230" panose="02020603020101020101" pitchFamily="18" charset="-127"/>
+                <a:ea typeface="한컴 윤고딕 230" panose="02020603020101020101" pitchFamily="18" charset="-127"/>
+              </a:rPr>
+              <a:t>ViewResolver</a:t>
+            </a:r>
+            <a:r>
+              <a:rPr lang="ko-KR" altLang="en-US" sz="1600" dirty="0" smtClean="0">
+                <a:solidFill>
+                  <a:schemeClr val="bg1">
+                    <a:lumMod val="95000"/>
+                  </a:schemeClr>
+                </a:solidFill>
+                <a:latin typeface="한컴 윤고딕 230" panose="02020603020101020101" pitchFamily="18" charset="-127"/>
+                <a:ea typeface="한컴 윤고딕 230" panose="02020603020101020101" pitchFamily="18" charset="-127"/>
+              </a:rPr>
+              <a:t>를 설정하고자 하는 경우에 사용</a:t>
+            </a:r>
+            <a:r>
+              <a:rPr lang="en-US" altLang="ko-KR" sz="1600" dirty="0" smtClean="0">
+                <a:solidFill>
+                  <a:schemeClr val="bg1">
+                    <a:lumMod val="95000"/>
+                  </a:schemeClr>
+                </a:solidFill>
+                <a:latin typeface="한컴 윤고딕 230" panose="02020603020101020101" pitchFamily="18" charset="-127"/>
+                <a:ea typeface="한컴 윤고딕 230" panose="02020603020101020101" pitchFamily="18" charset="-127"/>
+              </a:rPr>
+              <a:t>.</a:t>
+            </a:r>
+            <a:endParaRPr lang="en-US" altLang="ko-KR" sz="1600" dirty="0" smtClean="0">
+              <a:solidFill>
+                <a:schemeClr val="bg1">
+                  <a:lumMod val="95000"/>
+                </a:schemeClr>
+              </a:solidFill>
+              <a:latin typeface="한컴 윤고딕 230" panose="02020603020101020101" pitchFamily="18" charset="-127"/>
+              <a:ea typeface="한컴 윤고딕 230" panose="02020603020101020101" pitchFamily="18" charset="-127"/>
+            </a:endParaRPr>
+          </a:p>
+          <a:p>
+            <a:pPr marL="285750" indent="-285750">
+              <a:spcAft>
+                <a:spcPts val="600"/>
+              </a:spcAft>
+              <a:buFont typeface="Arial" panose="020B0604020202020204" pitchFamily="34" charset="0"/>
+              <a:buChar char="•"/>
+            </a:pPr>
+            <a:r>
+              <a:rPr lang="en-US" altLang="ko-KR" sz="1600" dirty="0" smtClean="0">
+                <a:solidFill>
+                  <a:schemeClr val="bg1">
+                    <a:lumMod val="95000"/>
+                  </a:schemeClr>
+                </a:solidFill>
+                <a:latin typeface="한컴 윤고딕 230" panose="02020603020101020101" pitchFamily="18" charset="-127"/>
+                <a:ea typeface="한컴 윤고딕 230" panose="02020603020101020101" pitchFamily="18" charset="-127"/>
+              </a:rPr>
+              <a:t>&lt;property name=“order” value=“0” /&gt;</a:t>
+            </a:r>
+            <a:r>
+              <a:rPr lang="ko-KR" altLang="en-US" sz="1600" dirty="0" smtClean="0">
+                <a:solidFill>
+                  <a:schemeClr val="bg1">
+                    <a:lumMod val="95000"/>
+                  </a:schemeClr>
+                </a:solidFill>
+                <a:latin typeface="한컴 윤고딕 230" panose="02020603020101020101" pitchFamily="18" charset="-127"/>
+                <a:ea typeface="한컴 윤고딕 230" panose="02020603020101020101" pitchFamily="18" charset="-127"/>
+              </a:rPr>
+              <a:t>으로 우선순위를 지정</a:t>
+            </a:r>
+            <a:endParaRPr lang="en-US" altLang="ko-KR" sz="1600" dirty="0" smtClean="0">
+              <a:solidFill>
+                <a:schemeClr val="bg1">
+                  <a:lumMod val="95000"/>
+                </a:schemeClr>
+              </a:solidFill>
+              <a:latin typeface="한컴 윤고딕 230" panose="02020603020101020101" pitchFamily="18" charset="-127"/>
+              <a:ea typeface="한컴 윤고딕 230" panose="02020603020101020101" pitchFamily="18" charset="-127"/>
+            </a:endParaRPr>
+          </a:p>
+          <a:p>
+            <a:pPr marL="285750" indent="-285750">
+              <a:spcAft>
+                <a:spcPts val="600"/>
+              </a:spcAft>
+              <a:buFont typeface="Arial" panose="020B0604020202020204" pitchFamily="34" charset="0"/>
+              <a:buChar char="•"/>
+            </a:pPr>
+            <a:r>
+              <a:rPr lang="en-US" altLang="ko-KR" sz="1600" dirty="0" smtClean="0">
+                <a:solidFill>
+                  <a:schemeClr val="bg1">
+                    <a:lumMod val="95000"/>
+                  </a:schemeClr>
+                </a:solidFill>
+                <a:latin typeface="한컴 윤고딕 230" panose="02020603020101020101" pitchFamily="18" charset="-127"/>
+                <a:ea typeface="한컴 윤고딕 230" panose="02020603020101020101" pitchFamily="18" charset="-127"/>
+              </a:rPr>
+              <a:t>Order property </a:t>
+            </a:r>
+            <a:r>
+              <a:rPr lang="ko-KR" altLang="en-US" sz="1600" dirty="0" smtClean="0">
+                <a:solidFill>
+                  <a:schemeClr val="bg1">
+                    <a:lumMod val="95000"/>
+                  </a:schemeClr>
+                </a:solidFill>
+                <a:latin typeface="한컴 윤고딕 230" panose="02020603020101020101" pitchFamily="18" charset="-127"/>
+                <a:ea typeface="한컴 윤고딕 230" panose="02020603020101020101" pitchFamily="18" charset="-127"/>
+              </a:rPr>
+              <a:t>값이 낮을 수록 높은 우선순위를 갖는다</a:t>
+            </a:r>
+            <a:r>
+              <a:rPr lang="en-US" altLang="ko-KR" sz="1600" dirty="0" smtClean="0">
+                <a:solidFill>
+                  <a:schemeClr val="bg1">
+                    <a:lumMod val="95000"/>
+                  </a:schemeClr>
+                </a:solidFill>
+                <a:latin typeface="한컴 윤고딕 230" panose="02020603020101020101" pitchFamily="18" charset="-127"/>
+                <a:ea typeface="한컴 윤고딕 230" panose="02020603020101020101" pitchFamily="18" charset="-127"/>
+              </a:rPr>
+              <a:t>.</a:t>
+            </a:r>
+          </a:p>
+          <a:p>
+            <a:pPr marL="285750" indent="-285750">
+              <a:spcAft>
+                <a:spcPts val="600"/>
+              </a:spcAft>
+              <a:buFont typeface="Arial" panose="020B0604020202020204" pitchFamily="34" charset="0"/>
+              <a:buChar char="•"/>
+            </a:pPr>
+            <a:r>
+              <a:rPr lang="ko-KR" altLang="en-US" sz="1600" dirty="0" smtClean="0">
+                <a:solidFill>
+                  <a:schemeClr val="bg1">
+                    <a:lumMod val="95000"/>
+                  </a:schemeClr>
+                </a:solidFill>
+                <a:latin typeface="한컴 윤고딕 230" panose="02020603020101020101" pitchFamily="18" charset="-127"/>
+                <a:ea typeface="한컴 윤고딕 230" panose="02020603020101020101" pitchFamily="18" charset="-127"/>
+              </a:rPr>
+              <a:t>높은 우선순위에 있는 </a:t>
+            </a:r>
+            <a:r>
+              <a:rPr lang="en-US" altLang="ko-KR" sz="1600" dirty="0" err="1" smtClean="0">
+                <a:solidFill>
+                  <a:schemeClr val="bg1">
+                    <a:lumMod val="95000"/>
+                  </a:schemeClr>
+                </a:solidFill>
+                <a:latin typeface="한컴 윤고딕 230" panose="02020603020101020101" pitchFamily="18" charset="-127"/>
+                <a:ea typeface="한컴 윤고딕 230" panose="02020603020101020101" pitchFamily="18" charset="-127"/>
+              </a:rPr>
+              <a:t>ViewResolver</a:t>
+            </a:r>
+            <a:r>
+              <a:rPr lang="ko-KR" altLang="en-US" sz="1600" dirty="0" smtClean="0">
+                <a:solidFill>
+                  <a:schemeClr val="bg1">
+                    <a:lumMod val="95000"/>
+                  </a:schemeClr>
+                </a:solidFill>
+                <a:latin typeface="한컴 윤고딕 230" panose="02020603020101020101" pitchFamily="18" charset="-127"/>
+                <a:ea typeface="한컴 윤고딕 230" panose="02020603020101020101" pitchFamily="18" charset="-127"/>
+              </a:rPr>
+              <a:t>가 </a:t>
+            </a:r>
+            <a:r>
+              <a:rPr lang="en-US" altLang="ko-KR" sz="1600" dirty="0" smtClean="0">
+                <a:solidFill>
+                  <a:schemeClr val="bg1">
+                    <a:lumMod val="95000"/>
+                  </a:schemeClr>
+                </a:solidFill>
+                <a:latin typeface="한컴 윤고딕 230" panose="02020603020101020101" pitchFamily="18" charset="-127"/>
+                <a:ea typeface="한컴 윤고딕 230" panose="02020603020101020101" pitchFamily="18" charset="-127"/>
+              </a:rPr>
+              <a:t>null</a:t>
+            </a:r>
+            <a:r>
+              <a:rPr lang="ko-KR" altLang="en-US" sz="1600" dirty="0" smtClean="0">
+                <a:solidFill>
+                  <a:schemeClr val="bg1">
+                    <a:lumMod val="95000"/>
+                  </a:schemeClr>
+                </a:solidFill>
+                <a:latin typeface="한컴 윤고딕 230" panose="02020603020101020101" pitchFamily="18" charset="-127"/>
+                <a:ea typeface="한컴 윤고딕 230" panose="02020603020101020101" pitchFamily="18" charset="-127"/>
+              </a:rPr>
+              <a:t>값을 </a:t>
+            </a:r>
+            <a:r>
+              <a:rPr lang="ko-KR" altLang="en-US" sz="1600" dirty="0" err="1" smtClean="0">
+                <a:solidFill>
+                  <a:schemeClr val="bg1">
+                    <a:lumMod val="95000"/>
+                  </a:schemeClr>
+                </a:solidFill>
+                <a:latin typeface="한컴 윤고딕 230" panose="02020603020101020101" pitchFamily="18" charset="-127"/>
+                <a:ea typeface="한컴 윤고딕 230" panose="02020603020101020101" pitchFamily="18" charset="-127"/>
+              </a:rPr>
+              <a:t>리턴할</a:t>
+            </a:r>
+            <a:r>
+              <a:rPr lang="ko-KR" altLang="en-US" sz="1600" dirty="0" smtClean="0">
+                <a:solidFill>
+                  <a:schemeClr val="bg1">
+                    <a:lumMod val="95000"/>
+                  </a:schemeClr>
+                </a:solidFill>
+                <a:latin typeface="한컴 윤고딕 230" panose="02020603020101020101" pitchFamily="18" charset="-127"/>
+                <a:ea typeface="한컴 윤고딕 230" panose="02020603020101020101" pitchFamily="18" charset="-127"/>
+              </a:rPr>
+              <a:t> 경우 다음 순위에 있는</a:t>
+            </a:r>
+            <a:r>
+              <a:rPr lang="en-US" altLang="ko-KR" sz="1600" dirty="0" smtClean="0">
+                <a:solidFill>
+                  <a:schemeClr val="bg1">
+                    <a:lumMod val="95000"/>
+                  </a:schemeClr>
+                </a:solidFill>
+                <a:latin typeface="한컴 윤고딕 230" panose="02020603020101020101" pitchFamily="18" charset="-127"/>
+                <a:ea typeface="한컴 윤고딕 230" panose="02020603020101020101" pitchFamily="18" charset="-127"/>
+              </a:rPr>
+              <a:t/>
+            </a:r>
+            <a:br>
+              <a:rPr lang="en-US" altLang="ko-KR" sz="1600" dirty="0" smtClean="0">
+                <a:solidFill>
+                  <a:schemeClr val="bg1">
+                    <a:lumMod val="95000"/>
+                  </a:schemeClr>
+                </a:solidFill>
+                <a:latin typeface="한컴 윤고딕 230" panose="02020603020101020101" pitchFamily="18" charset="-127"/>
+                <a:ea typeface="한컴 윤고딕 230" panose="02020603020101020101" pitchFamily="18" charset="-127"/>
+              </a:rPr>
+            </a:br>
+            <a:r>
+              <a:rPr lang="en-US" altLang="ko-KR" sz="1600" dirty="0" err="1" smtClean="0">
+                <a:solidFill>
+                  <a:schemeClr val="bg1">
+                    <a:lumMod val="95000"/>
+                  </a:schemeClr>
+                </a:solidFill>
+                <a:latin typeface="한컴 윤고딕 230" panose="02020603020101020101" pitchFamily="18" charset="-127"/>
+                <a:ea typeface="한컴 윤고딕 230" panose="02020603020101020101" pitchFamily="18" charset="-127"/>
+              </a:rPr>
+              <a:t>ViewResolver</a:t>
+            </a:r>
+            <a:r>
+              <a:rPr lang="ko-KR" altLang="en-US" sz="1600" dirty="0" smtClean="0">
+                <a:solidFill>
+                  <a:schemeClr val="bg1">
+                    <a:lumMod val="95000"/>
+                  </a:schemeClr>
+                </a:solidFill>
+                <a:latin typeface="한컴 윤고딕 230" panose="02020603020101020101" pitchFamily="18" charset="-127"/>
+                <a:ea typeface="한컴 윤고딕 230" panose="02020603020101020101" pitchFamily="18" charset="-127"/>
+              </a:rPr>
+              <a:t>에게 요청을 전달</a:t>
+            </a:r>
+            <a:r>
+              <a:rPr lang="en-US" altLang="ko-KR" sz="1600" dirty="0" smtClean="0">
+                <a:solidFill>
+                  <a:schemeClr val="bg1">
+                    <a:lumMod val="95000"/>
+                  </a:schemeClr>
+                </a:solidFill>
+                <a:latin typeface="한컴 윤고딕 230" panose="02020603020101020101" pitchFamily="18" charset="-127"/>
+                <a:ea typeface="한컴 윤고딕 230" panose="02020603020101020101" pitchFamily="18" charset="-127"/>
+              </a:rPr>
+              <a:t>.</a:t>
+            </a:r>
+            <a:endParaRPr lang="en-US" altLang="ko-KR" sz="1600" dirty="0" smtClean="0">
+              <a:solidFill>
+                <a:schemeClr val="bg1">
+                  <a:lumMod val="95000"/>
+                </a:schemeClr>
+              </a:solidFill>
+              <a:latin typeface="한컴 윤고딕 230" panose="02020603020101020101" pitchFamily="18" charset="-127"/>
+              <a:ea typeface="한컴 윤고딕 230" panose="02020603020101020101" pitchFamily="18" charset="-127"/>
+            </a:endParaRPr>
+          </a:p>
+          <a:p>
+            <a:pPr marL="742950" lvl="1" indent="-285750">
+              <a:spcAft>
+                <a:spcPts val="600"/>
+              </a:spcAft>
+              <a:buFont typeface="Arial" panose="020B0604020202020204" pitchFamily="34" charset="0"/>
+              <a:buChar char="•"/>
+            </a:pPr>
+            <a:r>
+              <a:rPr lang="en-US" altLang="ko-KR" sz="1600" dirty="0" smtClean="0">
+                <a:solidFill>
+                  <a:schemeClr val="bg1">
+                    <a:lumMod val="95000"/>
+                  </a:schemeClr>
+                </a:solidFill>
+                <a:latin typeface="한컴 윤고딕 230" panose="02020603020101020101" pitchFamily="18" charset="-127"/>
+                <a:ea typeface="한컴 윤고딕 230" panose="02020603020101020101" pitchFamily="18" charset="-127"/>
+              </a:rPr>
+              <a:t>&lt;</a:t>
+            </a:r>
+            <a:r>
+              <a:rPr lang="ko-KR" altLang="en-US" sz="1600" dirty="0" smtClean="0">
+                <a:solidFill>
+                  <a:schemeClr val="bg1">
+                    <a:lumMod val="95000"/>
+                  </a:schemeClr>
+                </a:solidFill>
+                <a:latin typeface="한컴 윤고딕 230" panose="02020603020101020101" pitchFamily="18" charset="-127"/>
+                <a:ea typeface="한컴 윤고딕 230" panose="02020603020101020101" pitchFamily="18" charset="-127"/>
+              </a:rPr>
+              <a:t>주의사항</a:t>
+            </a:r>
+            <a:r>
+              <a:rPr lang="en-US" altLang="ko-KR" sz="1600" dirty="0" smtClean="0">
+                <a:solidFill>
+                  <a:schemeClr val="bg1">
+                    <a:lumMod val="95000"/>
+                  </a:schemeClr>
+                </a:solidFill>
+                <a:latin typeface="한컴 윤고딕 230" panose="02020603020101020101" pitchFamily="18" charset="-127"/>
+                <a:ea typeface="한컴 윤고딕 230" panose="02020603020101020101" pitchFamily="18" charset="-127"/>
+              </a:rPr>
+              <a:t>&gt;</a:t>
+            </a:r>
+          </a:p>
+          <a:p>
+            <a:pPr marL="742950" lvl="1" indent="-285750">
+              <a:spcAft>
+                <a:spcPts val="600"/>
+              </a:spcAft>
+              <a:buFont typeface="Arial" panose="020B0604020202020204" pitchFamily="34" charset="0"/>
+              <a:buChar char="•"/>
+            </a:pPr>
+            <a:r>
+              <a:rPr lang="en-US" altLang="ko-KR" sz="1600" dirty="0" err="1" smtClean="0">
+                <a:solidFill>
+                  <a:schemeClr val="bg1">
+                    <a:lumMod val="95000"/>
+                  </a:schemeClr>
+                </a:solidFill>
+                <a:latin typeface="한컴 윤고딕 230" panose="02020603020101020101" pitchFamily="18" charset="-127"/>
+                <a:ea typeface="한컴 윤고딕 230" panose="02020603020101020101" pitchFamily="18" charset="-127"/>
+              </a:rPr>
+              <a:t>InternalResourceViewResolver</a:t>
+            </a:r>
+            <a:r>
+              <a:rPr lang="ko-KR" altLang="en-US" sz="1600" dirty="0" smtClean="0">
+                <a:solidFill>
+                  <a:schemeClr val="bg1">
+                    <a:lumMod val="95000"/>
+                  </a:schemeClr>
+                </a:solidFill>
+                <a:latin typeface="한컴 윤고딕 230" panose="02020603020101020101" pitchFamily="18" charset="-127"/>
+                <a:ea typeface="한컴 윤고딕 230" panose="02020603020101020101" pitchFamily="18" charset="-127"/>
+              </a:rPr>
+              <a:t>는 </a:t>
+            </a:r>
+            <a:r>
+              <a:rPr lang="en-US" altLang="ko-KR" sz="1600" dirty="0" smtClean="0">
+                <a:solidFill>
+                  <a:schemeClr val="bg1">
+                    <a:lumMod val="95000"/>
+                  </a:schemeClr>
+                </a:solidFill>
+                <a:latin typeface="한컴 윤고딕 230" panose="02020603020101020101" pitchFamily="18" charset="-127"/>
+                <a:ea typeface="한컴 윤고딕 230" panose="02020603020101020101" pitchFamily="18" charset="-127"/>
+              </a:rPr>
+              <a:t>null </a:t>
+            </a:r>
+            <a:r>
+              <a:rPr lang="ko-KR" altLang="en-US" sz="1600" dirty="0" smtClean="0">
+                <a:solidFill>
+                  <a:schemeClr val="bg1">
+                    <a:lumMod val="95000"/>
+                  </a:schemeClr>
+                </a:solidFill>
+                <a:latin typeface="한컴 윤고딕 230" panose="02020603020101020101" pitchFamily="18" charset="-127"/>
+                <a:ea typeface="한컴 윤고딕 230" panose="02020603020101020101" pitchFamily="18" charset="-127"/>
+              </a:rPr>
+              <a:t>값을 </a:t>
+            </a:r>
+            <a:r>
+              <a:rPr lang="ko-KR" altLang="en-US" sz="1600" dirty="0" err="1" smtClean="0">
+                <a:solidFill>
+                  <a:schemeClr val="bg1">
+                    <a:lumMod val="95000"/>
+                  </a:schemeClr>
+                </a:solidFill>
+                <a:latin typeface="한컴 윤고딕 230" panose="02020603020101020101" pitchFamily="18" charset="-127"/>
+                <a:ea typeface="한컴 윤고딕 230" panose="02020603020101020101" pitchFamily="18" charset="-127"/>
+              </a:rPr>
+              <a:t>리턴하지</a:t>
+            </a:r>
+            <a:r>
+              <a:rPr lang="ko-KR" altLang="en-US" sz="1600" dirty="0" smtClean="0">
+                <a:solidFill>
+                  <a:schemeClr val="bg1">
+                    <a:lumMod val="95000"/>
+                  </a:schemeClr>
+                </a:solidFill>
+                <a:latin typeface="한컴 윤고딕 230" panose="02020603020101020101" pitchFamily="18" charset="-127"/>
+                <a:ea typeface="한컴 윤고딕 230" panose="02020603020101020101" pitchFamily="18" charset="-127"/>
+              </a:rPr>
+              <a:t> 않기 때문에</a:t>
+            </a:r>
+            <a:r>
+              <a:rPr lang="en-US" altLang="ko-KR" sz="1600" dirty="0" smtClean="0">
+                <a:solidFill>
+                  <a:schemeClr val="bg1">
+                    <a:lumMod val="95000"/>
+                  </a:schemeClr>
+                </a:solidFill>
+                <a:latin typeface="한컴 윤고딕 230" panose="02020603020101020101" pitchFamily="18" charset="-127"/>
+                <a:ea typeface="한컴 윤고딕 230" panose="02020603020101020101" pitchFamily="18" charset="-127"/>
+              </a:rPr>
+              <a:t/>
+            </a:r>
+            <a:br>
+              <a:rPr lang="en-US" altLang="ko-KR" sz="1600" dirty="0" smtClean="0">
+                <a:solidFill>
+                  <a:schemeClr val="bg1">
+                    <a:lumMod val="95000"/>
+                  </a:schemeClr>
+                </a:solidFill>
+                <a:latin typeface="한컴 윤고딕 230" panose="02020603020101020101" pitchFamily="18" charset="-127"/>
+                <a:ea typeface="한컴 윤고딕 230" panose="02020603020101020101" pitchFamily="18" charset="-127"/>
+              </a:rPr>
+            </a:br>
+            <a:r>
+              <a:rPr lang="ko-KR" altLang="en-US" sz="1600" dirty="0" smtClean="0">
+                <a:solidFill>
+                  <a:schemeClr val="bg1">
+                    <a:lumMod val="95000"/>
+                  </a:schemeClr>
+                </a:solidFill>
+                <a:latin typeface="한컴 윤고딕 230" panose="02020603020101020101" pitchFamily="18" charset="-127"/>
+                <a:ea typeface="한컴 윤고딕 230" panose="02020603020101020101" pitchFamily="18" charset="-127"/>
+              </a:rPr>
+              <a:t>낮은 우선순위에</a:t>
+            </a:r>
+            <a:r>
+              <a:rPr lang="en-US" altLang="ko-KR" sz="1600" dirty="0" smtClean="0">
+                <a:solidFill>
+                  <a:schemeClr val="bg1">
+                    <a:lumMod val="95000"/>
+                  </a:schemeClr>
+                </a:solidFill>
+                <a:latin typeface="한컴 윤고딕 230" panose="02020603020101020101" pitchFamily="18" charset="-127"/>
+                <a:ea typeface="한컴 윤고딕 230" panose="02020603020101020101" pitchFamily="18" charset="-127"/>
+              </a:rPr>
+              <a:t> </a:t>
+            </a:r>
+            <a:r>
+              <a:rPr lang="ko-KR" altLang="en-US" sz="1600" dirty="0" smtClean="0">
+                <a:solidFill>
+                  <a:schemeClr val="bg1">
+                    <a:lumMod val="95000"/>
+                  </a:schemeClr>
+                </a:solidFill>
+                <a:latin typeface="한컴 윤고딕 230" panose="02020603020101020101" pitchFamily="18" charset="-127"/>
+                <a:ea typeface="한컴 윤고딕 230" panose="02020603020101020101" pitchFamily="18" charset="-127"/>
+              </a:rPr>
+              <a:t>두어야 한다</a:t>
+            </a:r>
+            <a:r>
+              <a:rPr lang="en-US" altLang="ko-KR" sz="1600" dirty="0" smtClean="0">
+                <a:solidFill>
+                  <a:schemeClr val="bg1">
+                    <a:lumMod val="95000"/>
+                  </a:schemeClr>
+                </a:solidFill>
+                <a:latin typeface="한컴 윤고딕 230" panose="02020603020101020101" pitchFamily="18" charset="-127"/>
+                <a:ea typeface="한컴 윤고딕 230" panose="02020603020101020101" pitchFamily="18" charset="-127"/>
+              </a:rPr>
+              <a:t>.</a:t>
+            </a:r>
+          </a:p>
+          <a:p>
+            <a:pPr marL="742950" lvl="1" indent="-285750">
+              <a:spcAft>
+                <a:spcPts val="600"/>
+              </a:spcAft>
+              <a:buFont typeface="Arial" panose="020B0604020202020204" pitchFamily="34" charset="0"/>
+              <a:buChar char="•"/>
+            </a:pPr>
+            <a:r>
+              <a:rPr lang="en-US" altLang="ko-KR" sz="1600" dirty="0" err="1" smtClean="0">
+                <a:solidFill>
+                  <a:schemeClr val="bg1">
+                    <a:lumMod val="95000"/>
+                  </a:schemeClr>
+                </a:solidFill>
+                <a:latin typeface="한컴 윤고딕 230" panose="02020603020101020101" pitchFamily="18" charset="-127"/>
+                <a:ea typeface="한컴 윤고딕 230" panose="02020603020101020101" pitchFamily="18" charset="-127"/>
+              </a:rPr>
+              <a:t>VelocityView</a:t>
+            </a:r>
+            <a:r>
+              <a:rPr lang="en-US" altLang="ko-KR" sz="1600" dirty="0" smtClean="0">
+                <a:solidFill>
+                  <a:schemeClr val="bg1">
+                    <a:lumMod val="95000"/>
+                  </a:schemeClr>
+                </a:solidFill>
+                <a:latin typeface="한컴 윤고딕 230" panose="02020603020101020101" pitchFamily="18" charset="-127"/>
+                <a:ea typeface="한컴 윤고딕 230" panose="02020603020101020101" pitchFamily="18" charset="-127"/>
+              </a:rPr>
+              <a:t>(Layout)Resolver</a:t>
+            </a:r>
+            <a:r>
+              <a:rPr lang="ko-KR" altLang="en-US" sz="1600" dirty="0" smtClean="0">
+                <a:solidFill>
+                  <a:schemeClr val="bg1">
+                    <a:lumMod val="95000"/>
+                  </a:schemeClr>
+                </a:solidFill>
+                <a:latin typeface="한컴 윤고딕 230" panose="02020603020101020101" pitchFamily="18" charset="-127"/>
+                <a:ea typeface="한컴 윤고딕 230" panose="02020603020101020101" pitchFamily="18" charset="-127"/>
+              </a:rPr>
+              <a:t>는 </a:t>
+            </a:r>
+            <a:r>
+              <a:rPr lang="en-US" altLang="ko-KR" sz="1600" dirty="0" smtClean="0">
+                <a:solidFill>
+                  <a:schemeClr val="bg1">
+                    <a:lumMod val="95000"/>
+                  </a:schemeClr>
+                </a:solidFill>
+                <a:latin typeface="한컴 윤고딕 230" panose="02020603020101020101" pitchFamily="18" charset="-127"/>
+                <a:ea typeface="한컴 윤고딕 230" panose="02020603020101020101" pitchFamily="18" charset="-127"/>
+              </a:rPr>
+              <a:t>View </a:t>
+            </a:r>
+            <a:r>
+              <a:rPr lang="ko-KR" altLang="en-US" sz="1600" dirty="0" smtClean="0">
+                <a:solidFill>
+                  <a:schemeClr val="bg1">
+                    <a:lumMod val="95000"/>
+                  </a:schemeClr>
+                </a:solidFill>
+                <a:latin typeface="한컴 윤고딕 230" panose="02020603020101020101" pitchFamily="18" charset="-127"/>
+                <a:ea typeface="한컴 윤고딕 230" panose="02020603020101020101" pitchFamily="18" charset="-127"/>
+              </a:rPr>
+              <a:t>이름과 </a:t>
+            </a:r>
+            <a:r>
+              <a:rPr lang="ko-KR" altLang="en-US" sz="1600" dirty="0" err="1" smtClean="0">
+                <a:solidFill>
+                  <a:schemeClr val="bg1">
+                    <a:lumMod val="95000"/>
+                  </a:schemeClr>
+                </a:solidFill>
+                <a:latin typeface="한컴 윤고딕 230" panose="02020603020101020101" pitchFamily="18" charset="-127"/>
+                <a:ea typeface="한컴 윤고딕 230" panose="02020603020101020101" pitchFamily="18" charset="-127"/>
+              </a:rPr>
+              <a:t>매핑되는</a:t>
+            </a:r>
+            <a:r>
+              <a:rPr lang="ko-KR" altLang="en-US" sz="1600" dirty="0" smtClean="0">
+                <a:solidFill>
+                  <a:schemeClr val="bg1">
+                    <a:lumMod val="95000"/>
+                  </a:schemeClr>
+                </a:solidFill>
+                <a:latin typeface="한컴 윤고딕 230" panose="02020603020101020101" pitchFamily="18" charset="-127"/>
+                <a:ea typeface="한컴 윤고딕 230" panose="02020603020101020101" pitchFamily="18" charset="-127"/>
+              </a:rPr>
+              <a:t> </a:t>
+            </a:r>
+            <a:r>
+              <a:rPr lang="en-US" altLang="ko-KR" sz="1600" dirty="0" smtClean="0">
+                <a:solidFill>
+                  <a:schemeClr val="bg1">
+                    <a:lumMod val="95000"/>
+                  </a:schemeClr>
+                </a:solidFill>
+                <a:latin typeface="한컴 윤고딕 230" panose="02020603020101020101" pitchFamily="18" charset="-127"/>
+                <a:ea typeface="한컴 윤고딕 230" panose="02020603020101020101" pitchFamily="18" charset="-127"/>
+              </a:rPr>
+              <a:t>Velocity </a:t>
+            </a:r>
+            <a:r>
+              <a:rPr lang="ko-KR" altLang="en-US" sz="1600" dirty="0" smtClean="0">
+                <a:solidFill>
+                  <a:schemeClr val="bg1">
+                    <a:lumMod val="95000"/>
+                  </a:schemeClr>
+                </a:solidFill>
+                <a:latin typeface="한컴 윤고딕 230" panose="02020603020101020101" pitchFamily="18" charset="-127"/>
+                <a:ea typeface="한컴 윤고딕 230" panose="02020603020101020101" pitchFamily="18" charset="-127"/>
+              </a:rPr>
+              <a:t>템플릿이</a:t>
+            </a:r>
+            <a:r>
+              <a:rPr lang="en-US" altLang="ko-KR" sz="1600" dirty="0" smtClean="0">
+                <a:solidFill>
+                  <a:schemeClr val="bg1">
+                    <a:lumMod val="95000"/>
+                  </a:schemeClr>
+                </a:solidFill>
+                <a:latin typeface="한컴 윤고딕 230" panose="02020603020101020101" pitchFamily="18" charset="-127"/>
+                <a:ea typeface="한컴 윤고딕 230" panose="02020603020101020101" pitchFamily="18" charset="-127"/>
+              </a:rPr>
+              <a:t/>
+            </a:r>
+            <a:br>
+              <a:rPr lang="en-US" altLang="ko-KR" sz="1600" dirty="0" smtClean="0">
+                <a:solidFill>
+                  <a:schemeClr val="bg1">
+                    <a:lumMod val="95000"/>
+                  </a:schemeClr>
+                </a:solidFill>
+                <a:latin typeface="한컴 윤고딕 230" panose="02020603020101020101" pitchFamily="18" charset="-127"/>
+                <a:ea typeface="한컴 윤고딕 230" panose="02020603020101020101" pitchFamily="18" charset="-127"/>
+              </a:rPr>
+            </a:br>
+            <a:r>
+              <a:rPr lang="ko-KR" altLang="en-US" sz="1600" dirty="0" smtClean="0">
+                <a:solidFill>
+                  <a:schemeClr val="bg1">
+                    <a:lumMod val="95000"/>
+                  </a:schemeClr>
+                </a:solidFill>
+                <a:latin typeface="한컴 윤고딕 230" panose="02020603020101020101" pitchFamily="18" charset="-127"/>
+                <a:ea typeface="한컴 윤고딕 230" panose="02020603020101020101" pitchFamily="18" charset="-127"/>
+              </a:rPr>
+              <a:t>없을 경우 </a:t>
+            </a:r>
+            <a:r>
+              <a:rPr lang="en-US" altLang="ko-KR" sz="1600" dirty="0" smtClean="0">
+                <a:solidFill>
+                  <a:schemeClr val="bg1">
+                    <a:lumMod val="95000"/>
+                  </a:schemeClr>
+                </a:solidFill>
+                <a:latin typeface="한컴 윤고딕 230" panose="02020603020101020101" pitchFamily="18" charset="-127"/>
+                <a:ea typeface="한컴 윤고딕 230" panose="02020603020101020101" pitchFamily="18" charset="-127"/>
+              </a:rPr>
+              <a:t>null</a:t>
+            </a:r>
+            <a:r>
+              <a:rPr lang="ko-KR" altLang="en-US" sz="1600" dirty="0" smtClean="0">
+                <a:solidFill>
+                  <a:schemeClr val="bg1">
+                    <a:lumMod val="95000"/>
+                  </a:schemeClr>
+                </a:solidFill>
+                <a:latin typeface="한컴 윤고딕 230" panose="02020603020101020101" pitchFamily="18" charset="-127"/>
+                <a:ea typeface="한컴 윤고딕 230" panose="02020603020101020101" pitchFamily="18" charset="-127"/>
+              </a:rPr>
+              <a:t> </a:t>
+            </a:r>
+            <a:r>
+              <a:rPr lang="ko-KR" altLang="en-US" sz="1600" dirty="0" smtClean="0">
+                <a:solidFill>
+                  <a:schemeClr val="bg1">
+                    <a:lumMod val="95000"/>
+                  </a:schemeClr>
+                </a:solidFill>
+                <a:latin typeface="한컴 윤고딕 230" panose="02020603020101020101" pitchFamily="18" charset="-127"/>
+                <a:ea typeface="한컴 윤고딕 230" panose="02020603020101020101" pitchFamily="18" charset="-127"/>
+              </a:rPr>
+              <a:t>값이 아닌 </a:t>
+            </a:r>
+            <a:r>
+              <a:rPr lang="en-US" altLang="ko-KR" sz="1600" dirty="0" smtClean="0">
+                <a:solidFill>
+                  <a:schemeClr val="bg1">
+                    <a:lumMod val="95000"/>
+                  </a:schemeClr>
+                </a:solidFill>
+                <a:latin typeface="한컴 윤고딕 230" panose="02020603020101020101" pitchFamily="18" charset="-127"/>
+                <a:ea typeface="한컴 윤고딕 230" panose="02020603020101020101" pitchFamily="18" charset="-127"/>
+              </a:rPr>
+              <a:t>Exception</a:t>
+            </a:r>
+            <a:r>
+              <a:rPr lang="ko-KR" altLang="en-US" sz="1600" dirty="0" smtClean="0">
+                <a:solidFill>
+                  <a:schemeClr val="bg1">
+                    <a:lumMod val="95000"/>
+                  </a:schemeClr>
+                </a:solidFill>
+                <a:latin typeface="한컴 윤고딕 230" panose="02020603020101020101" pitchFamily="18" charset="-127"/>
+                <a:ea typeface="한컴 윤고딕 230" panose="02020603020101020101" pitchFamily="18" charset="-127"/>
+              </a:rPr>
+              <a:t>을 발생시키기 때문에 낮은 우선순위에 두어야 한다</a:t>
+            </a:r>
+            <a:r>
+              <a:rPr lang="en-US" altLang="ko-KR" sz="1600" dirty="0" smtClean="0">
+                <a:solidFill>
+                  <a:schemeClr val="bg1">
+                    <a:lumMod val="95000"/>
+                  </a:schemeClr>
+                </a:solidFill>
+                <a:latin typeface="한컴 윤고딕 230" panose="02020603020101020101" pitchFamily="18" charset="-127"/>
+                <a:ea typeface="한컴 윤고딕 230" panose="02020603020101020101" pitchFamily="18" charset="-127"/>
+              </a:rPr>
+              <a:t>.</a:t>
+            </a:r>
+            <a:endParaRPr lang="en-US" altLang="ko-KR" sz="1600" dirty="0" smtClean="0">
+              <a:solidFill>
+                <a:schemeClr val="bg1">
+                  <a:lumMod val="95000"/>
+                </a:schemeClr>
+              </a:solidFill>
+              <a:latin typeface="한컴 윤고딕 230" panose="02020603020101020101" pitchFamily="18" charset="-127"/>
+              <a:ea typeface="한컴 윤고딕 230" panose="02020603020101020101" pitchFamily="18" charset="-127"/>
+            </a:endParaRPr>
+          </a:p>
+        </p:txBody>
+      </p:sp>
+    </p:spTree>
+    <p:extLst>
+      <p:ext uri="{BB962C8B-B14F-4D97-AF65-F5344CB8AC3E}">
+        <p14:creationId xmlns:p14="http://schemas.microsoft.com/office/powerpoint/2010/main" xmlns="" val="1830022981"/>
+      </p:ext>
+    </p:extLst>
+  </p:cSld>
+  <p:clrMapOvr>
+    <a:masterClrMapping/>
+  </p:clrMapOvr>
+  <p:timing>
+    <p:tnLst>
+      <p:par>
+        <p:cTn id="1" dur="indefinite" restart="never" nodeType="tmRoot"/>
+      </p:par>
+    </p:tnLst>
+  </p:timing>
+</p:sld>
+</file>
+
+<file path=ppt/slides/slide12.xml><?xml version="1.0" encoding="utf-8"?>
+<p:sld xmlns:a="http://schemas.openxmlformats.org/drawingml/2006/main" xmlns:r="http://schemas.openxmlformats.org/officeDocument/2006/relationships" xmlns:p="http://schemas.openxmlformats.org/presentationml/2006/main">
+  <p:cSld>
+    <p:spTree>
+      <p:nvGrpSpPr>
+        <p:cNvPr id="1" name=""/>
+        <p:cNvGrpSpPr/>
+        <p:nvPr/>
+      </p:nvGrpSpPr>
+      <p:grpSpPr>
+        <a:xfrm>
+          <a:off x="0" y="0"/>
+          <a:ext cx="0" cy="0"/>
+          <a:chOff x="0" y="0"/>
+          <a:chExt cx="0" cy="0"/>
+        </a:xfrm>
+      </p:grpSpPr>
+      <p:grpSp>
+        <p:nvGrpSpPr>
+          <p:cNvPr id="2" name="그룹 38"/>
+          <p:cNvGrpSpPr/>
+          <p:nvPr/>
+        </p:nvGrpSpPr>
+        <p:grpSpPr>
+          <a:xfrm>
+            <a:off x="26636" y="1742752"/>
+            <a:ext cx="9852728" cy="4226244"/>
+            <a:chOff x="10365968" y="1742752"/>
+            <a:chExt cx="9852728" cy="4226244"/>
+          </a:xfrm>
+        </p:grpSpPr>
+        <p:pic>
+          <p:nvPicPr>
+            <p:cNvPr id="40" name="그림 39" descr="springframework.png"/>
+            <p:cNvPicPr>
+              <a:picLocks noChangeAspect="1"/>
+            </p:cNvPicPr>
+            <p:nvPr/>
+          </p:nvPicPr>
+          <p:blipFill>
+            <a:blip r:embed="rId3">
+              <a:duotone>
+                <a:schemeClr val="accent3">
+                  <a:shade val="45000"/>
+                  <a:satMod val="135000"/>
+                </a:schemeClr>
+                <a:prstClr val="white"/>
+              </a:duotone>
+            </a:blip>
+            <a:stretch>
+              <a:fillRect/>
+            </a:stretch>
+          </p:blipFill>
+          <p:spPr>
+            <a:xfrm>
+              <a:off x="10365968" y="1742753"/>
+              <a:ext cx="9838563" cy="4226243"/>
+            </a:xfrm>
+            <a:prstGeom prst="rect">
+              <a:avLst/>
+            </a:prstGeom>
+          </p:spPr>
+        </p:pic>
+        <p:sp>
+          <p:nvSpPr>
+            <p:cNvPr id="41" name="직사각형 40"/>
+            <p:cNvSpPr/>
+            <p:nvPr/>
+          </p:nvSpPr>
+          <p:spPr>
+            <a:xfrm>
+              <a:off x="13954000" y="1742752"/>
+              <a:ext cx="6264696" cy="4226243"/>
+            </a:xfrm>
+            <a:prstGeom prst="rect">
+              <a:avLst/>
+            </a:prstGeom>
+            <a:gradFill flip="none" rotWithShape="1">
+              <a:gsLst>
+                <a:gs pos="0">
+                  <a:schemeClr val="tx1">
+                    <a:lumMod val="85000"/>
+                    <a:lumOff val="15000"/>
+                    <a:alpha val="0"/>
+                  </a:schemeClr>
+                </a:gs>
+                <a:gs pos="70000">
+                  <a:schemeClr val="tx1">
+                    <a:lumMod val="85000"/>
+                    <a:lumOff val="15000"/>
+                    <a:alpha val="80000"/>
+                  </a:schemeClr>
+                </a:gs>
+                <a:gs pos="100000">
+                  <a:schemeClr val="tx1">
+                    <a:lumMod val="85000"/>
+                    <a:lumOff val="15000"/>
+                    <a:alpha val="90000"/>
+                  </a:schemeClr>
+                </a:gs>
+              </a:gsLst>
+              <a:lin ang="0" scaled="1"/>
+              <a:tileRect/>
+            </a:gradFill>
+            <a:ln>
+              <a:noFill/>
+            </a:ln>
+          </p:spPr>
+          <p:style>
+            <a:lnRef idx="2">
+              <a:schemeClr val="accent1">
+                <a:shade val="50000"/>
+              </a:schemeClr>
+            </a:lnRef>
+            <a:fillRef idx="1">
+              <a:schemeClr val="accent1"/>
+            </a:fillRef>
+            <a:effectRef idx="0">
+              <a:schemeClr val="accent1"/>
+            </a:effectRef>
+            <a:fontRef idx="minor">
+              <a:schemeClr val="lt1"/>
+            </a:fontRef>
+          </p:style>
+          <p:txBody>
+            <a:bodyPr rtlCol="0" anchor="ctr"/>
+            <a:lstStyle/>
+            <a:p>
+              <a:pPr algn="ctr"/>
+              <a:endParaRPr lang="ko-KR" altLang="en-US"/>
+            </a:p>
+          </p:txBody>
+        </p:sp>
+      </p:grpSp>
+      <p:pic>
+        <p:nvPicPr>
+          <p:cNvPr id="1026" name="Picture 2"/>
+          <p:cNvPicPr>
+            <a:picLocks noChangeArrowheads="1"/>
+          </p:cNvPicPr>
+          <p:nvPr/>
+        </p:nvPicPr>
+        <p:blipFill>
+          <a:blip r:embed="rId4"/>
+          <a:srcRect/>
+          <a:stretch>
+            <a:fillRect/>
+          </a:stretch>
+        </p:blipFill>
+        <p:spPr bwMode="auto">
+          <a:xfrm>
+            <a:off x="42897" y="1938330"/>
+            <a:ext cx="9839325" cy="3577590"/>
+          </a:xfrm>
+          <a:prstGeom prst="rect">
+            <a:avLst/>
+          </a:prstGeom>
+          <a:noFill/>
+          <a:ln w="9525">
+            <a:noFill/>
+            <a:miter lim="800000"/>
+            <a:headEnd/>
+            <a:tailEnd/>
+          </a:ln>
+          <a:effectLst/>
+        </p:spPr>
+      </p:pic>
+      <p:pic>
+        <p:nvPicPr>
+          <p:cNvPr id="2050" name="Picture 2" descr="C:\Users\USER\Desktop\2차 프로젝트(WEB)_4조\images\macbook_PNG36.png"/>
+          <p:cNvPicPr>
+            <a:picLocks noChangeAspect="1" noChangeArrowheads="1"/>
+          </p:cNvPicPr>
+          <p:nvPr/>
+        </p:nvPicPr>
+        <p:blipFill>
+          <a:blip r:embed="rId5"/>
+          <a:srcRect l="9199" r="9199"/>
+          <a:stretch>
+            <a:fillRect/>
+          </a:stretch>
+        </p:blipFill>
+        <p:spPr bwMode="auto">
+          <a:xfrm>
+            <a:off x="0" y="0"/>
+            <a:ext cx="9906000" cy="6970871"/>
+          </a:xfrm>
+          <a:prstGeom prst="rect">
+            <a:avLst/>
+          </a:prstGeom>
+          <a:noFill/>
+        </p:spPr>
+      </p:pic>
+      <p:sp>
+        <p:nvSpPr>
+          <p:cNvPr id="3" name="직사각형 2"/>
+          <p:cNvSpPr/>
+          <p:nvPr/>
+        </p:nvSpPr>
+        <p:spPr>
+          <a:xfrm>
+            <a:off x="0" y="0"/>
+            <a:ext cx="9906000" cy="6858000"/>
+          </a:xfrm>
+          <a:prstGeom prst="rect">
+            <a:avLst/>
+          </a:prstGeom>
+          <a:solidFill>
+            <a:schemeClr val="tx1">
+              <a:lumMod val="85000"/>
+              <a:lumOff val="15000"/>
+              <a:alpha val="40000"/>
+            </a:schemeClr>
+          </a:solidFill>
+          <a:ln>
+            <a:noFill/>
+          </a:ln>
+        </p:spPr>
+        <p:style>
+          <a:lnRef idx="2">
+            <a:schemeClr val="accent1">
+              <a:shade val="50000"/>
+            </a:schemeClr>
+          </a:lnRef>
+          <a:fillRef idx="1">
+            <a:schemeClr val="accent1"/>
+          </a:fillRef>
+          <a:effectRef idx="0">
+            <a:schemeClr val="accent1"/>
+          </a:effectRef>
+          <a:fontRef idx="minor">
+            <a:schemeClr val="lt1"/>
+          </a:fontRef>
+        </p:style>
+        <p:txBody>
+          <a:bodyPr rtlCol="0" anchor="ctr"/>
+          <a:lstStyle/>
+          <a:p>
+            <a:pPr algn="ctr"/>
+            <a:endParaRPr lang="ko-KR" altLang="en-US"/>
+          </a:p>
+        </p:txBody>
+      </p:sp>
+      <p:grpSp>
+        <p:nvGrpSpPr>
+          <p:cNvPr id="4" name="그룹 19"/>
+          <p:cNvGrpSpPr/>
+          <p:nvPr/>
+        </p:nvGrpSpPr>
+        <p:grpSpPr>
+          <a:xfrm>
+            <a:off x="469098" y="1213678"/>
+            <a:ext cx="5564022" cy="400110"/>
+            <a:chOff x="469098" y="1285686"/>
+            <a:chExt cx="4843942" cy="400110"/>
+          </a:xfrm>
+        </p:grpSpPr>
+        <p:sp>
+          <p:nvSpPr>
+            <p:cNvPr id="24" name="TextBox 23"/>
+            <p:cNvSpPr txBox="1"/>
+            <p:nvPr/>
+          </p:nvSpPr>
+          <p:spPr>
+            <a:xfrm>
+              <a:off x="469098" y="1285686"/>
+              <a:ext cx="4843942" cy="400110"/>
+            </a:xfrm>
+            <a:prstGeom prst="rect">
+              <a:avLst/>
+            </a:prstGeom>
+            <a:noFill/>
+          </p:spPr>
+          <p:txBody>
+            <a:bodyPr wrap="square" rtlCol="0">
+              <a:spAutoFit/>
+            </a:bodyPr>
+            <a:lstStyle/>
+            <a:p>
+              <a:r>
+                <a:rPr lang="en-US" altLang="ko-KR" sz="2000" dirty="0" smtClean="0">
+                  <a:solidFill>
+                    <a:schemeClr val="bg1">
+                      <a:lumMod val="95000"/>
+                    </a:schemeClr>
+                  </a:solidFill>
+                  <a:latin typeface="한컴 윤고딕 250" pitchFamily="18" charset="-127"/>
+                  <a:ea typeface="한컴 윤고딕 250" pitchFamily="18" charset="-127"/>
+                </a:rPr>
+                <a:t>Multiple </a:t>
+              </a:r>
+              <a:r>
+                <a:rPr lang="en-US" altLang="ko-KR" sz="2000" dirty="0" err="1" smtClean="0">
+                  <a:solidFill>
+                    <a:schemeClr val="bg1">
+                      <a:lumMod val="95000"/>
+                    </a:schemeClr>
+                  </a:solidFill>
+                  <a:latin typeface="한컴 윤고딕 250" pitchFamily="18" charset="-127"/>
+                  <a:ea typeface="한컴 윤고딕 250" pitchFamily="18" charset="-127"/>
+                </a:rPr>
+                <a:t>ViewResolver</a:t>
+              </a:r>
+              <a:r>
+                <a:rPr lang="en-US" altLang="ko-KR" sz="2000" dirty="0" smtClean="0">
+                  <a:solidFill>
+                    <a:schemeClr val="bg1">
+                      <a:lumMod val="95000"/>
+                    </a:schemeClr>
+                  </a:solidFill>
+                  <a:latin typeface="한컴 윤고딕 250" pitchFamily="18" charset="-127"/>
+                  <a:ea typeface="한컴 윤고딕 250" pitchFamily="18" charset="-127"/>
+                </a:rPr>
+                <a:t> </a:t>
+              </a:r>
+              <a:r>
+                <a:rPr lang="ko-KR" altLang="en-US" sz="2000" dirty="0" smtClean="0">
+                  <a:solidFill>
+                    <a:schemeClr val="bg1">
+                      <a:lumMod val="95000"/>
+                    </a:schemeClr>
+                  </a:solidFill>
+                  <a:latin typeface="한컴 윤고딕 250" pitchFamily="18" charset="-127"/>
+                  <a:ea typeface="한컴 윤고딕 250" pitchFamily="18" charset="-127"/>
+                </a:rPr>
+                <a:t>사용 예제</a:t>
+              </a:r>
+              <a:endParaRPr lang="en-US" altLang="ko-KR" sz="2000" dirty="0" smtClean="0">
+                <a:solidFill>
+                  <a:schemeClr val="bg1">
+                    <a:lumMod val="95000"/>
+                  </a:schemeClr>
+                </a:solidFill>
+                <a:latin typeface="한컴 윤고딕 250" pitchFamily="18" charset="-127"/>
+                <a:ea typeface="한컴 윤고딕 250" pitchFamily="18" charset="-127"/>
+              </a:endParaRPr>
+            </a:p>
+          </p:txBody>
+        </p:sp>
+        <p:cxnSp>
+          <p:nvCxnSpPr>
+            <p:cNvPr id="26" name="직선 연결선 25"/>
+            <p:cNvCxnSpPr/>
+            <p:nvPr/>
+          </p:nvCxnSpPr>
+          <p:spPr>
+            <a:xfrm>
+              <a:off x="577204" y="1685796"/>
+              <a:ext cx="3886282" cy="0"/>
+            </a:xfrm>
+            <a:prstGeom prst="line">
+              <a:avLst/>
+            </a:prstGeom>
+            <a:ln w="19050">
+              <a:solidFill>
+                <a:schemeClr val="bg1">
+                  <a:lumMod val="75000"/>
+                </a:schemeClr>
+              </a:solidFill>
+            </a:ln>
+          </p:spPr>
+          <p:style>
+            <a:lnRef idx="1">
+              <a:schemeClr val="accent1"/>
+            </a:lnRef>
+            <a:fillRef idx="0">
+              <a:schemeClr val="accent1"/>
+            </a:fillRef>
+            <a:effectRef idx="0">
+              <a:schemeClr val="accent1"/>
+            </a:effectRef>
+            <a:fontRef idx="minor">
+              <a:schemeClr val="tx1"/>
+            </a:fontRef>
+          </p:style>
+        </p:cxnSp>
+      </p:grpSp>
+      <p:grpSp>
+        <p:nvGrpSpPr>
+          <p:cNvPr id="5" name="그룹 28"/>
+          <p:cNvGrpSpPr/>
+          <p:nvPr/>
+        </p:nvGrpSpPr>
+        <p:grpSpPr>
+          <a:xfrm>
+            <a:off x="5851866" y="641157"/>
+            <a:ext cx="4357718" cy="613925"/>
+            <a:chOff x="0" y="641157"/>
+            <a:chExt cx="4357718" cy="613925"/>
+          </a:xfrm>
+        </p:grpSpPr>
+        <p:sp>
+          <p:nvSpPr>
+            <p:cNvPr id="31" name="TextBox 30"/>
+            <p:cNvSpPr txBox="1"/>
+            <p:nvPr/>
+          </p:nvSpPr>
+          <p:spPr>
+            <a:xfrm>
+              <a:off x="1643074" y="641157"/>
+              <a:ext cx="2714644" cy="307777"/>
+            </a:xfrm>
+            <a:prstGeom prst="rect">
+              <a:avLst/>
+            </a:prstGeom>
+            <a:noFill/>
+            <a:ln>
+              <a:noFill/>
+            </a:ln>
+          </p:spPr>
+          <p:txBody>
+            <a:bodyPr wrap="square" rtlCol="0">
+              <a:spAutoFit/>
+            </a:bodyPr>
+            <a:lstStyle/>
+            <a:p>
+              <a:r>
+                <a:rPr lang="en-US" altLang="ko-KR" sz="1400" dirty="0" err="1" smtClean="0">
+                  <a:solidFill>
+                    <a:schemeClr val="tx1">
+                      <a:lumMod val="65000"/>
+                      <a:lumOff val="35000"/>
+                    </a:schemeClr>
+                  </a:solidFill>
+                  <a:latin typeface="한컴 윤고딕 250" pitchFamily="18" charset="-127"/>
+                  <a:ea typeface="한컴 윤고딕 250" pitchFamily="18" charset="-127"/>
+                </a:rPr>
+                <a:t>SpringFramework</a:t>
+              </a:r>
+              <a:endParaRPr lang="en-US" altLang="ko-KR" sz="1400" dirty="0" smtClean="0">
+                <a:solidFill>
+                  <a:schemeClr val="tx1">
+                    <a:lumMod val="65000"/>
+                    <a:lumOff val="35000"/>
+                  </a:schemeClr>
+                </a:solidFill>
+                <a:latin typeface="한컴 윤고딕 250" pitchFamily="18" charset="-127"/>
+                <a:ea typeface="한컴 윤고딕 250" pitchFamily="18" charset="-127"/>
+              </a:endParaRPr>
+            </a:p>
+          </p:txBody>
+        </p:sp>
+        <p:sp>
+          <p:nvSpPr>
+            <p:cNvPr id="33" name="TextBox 32"/>
+            <p:cNvSpPr txBox="1"/>
+            <p:nvPr/>
+          </p:nvSpPr>
+          <p:spPr>
+            <a:xfrm>
+              <a:off x="0" y="916528"/>
+              <a:ext cx="4357718" cy="338554"/>
+            </a:xfrm>
+            <a:prstGeom prst="rect">
+              <a:avLst/>
+            </a:prstGeom>
+            <a:noFill/>
+            <a:ln>
+              <a:noFill/>
+            </a:ln>
+          </p:spPr>
+          <p:txBody>
+            <a:bodyPr wrap="square" rtlCol="0">
+              <a:spAutoFit/>
+            </a:bodyPr>
+            <a:lstStyle/>
+            <a:p>
+              <a:pPr algn="ctr"/>
+              <a:r>
+                <a:rPr lang="en-US" altLang="ko-KR" sz="1600" dirty="0" err="1">
+                  <a:solidFill>
+                    <a:schemeClr val="tx1">
+                      <a:lumMod val="65000"/>
+                      <a:lumOff val="35000"/>
+                    </a:schemeClr>
+                  </a:solidFill>
+                  <a:latin typeface="한컴 윤고딕 250" pitchFamily="18" charset="-127"/>
+                  <a:ea typeface="한컴 윤고딕 250" pitchFamily="18" charset="-127"/>
+                </a:rPr>
+                <a:t>ViewResolver</a:t>
+              </a:r>
+              <a:endParaRPr lang="ko-KR" altLang="en-US" sz="1600" dirty="0">
+                <a:solidFill>
+                  <a:schemeClr val="tx1">
+                    <a:lumMod val="65000"/>
+                    <a:lumOff val="35000"/>
+                  </a:schemeClr>
+                </a:solidFill>
+                <a:latin typeface="한컴 윤고딕 250" pitchFamily="18" charset="-127"/>
+                <a:ea typeface="한컴 윤고딕 250" pitchFamily="18" charset="-127"/>
+              </a:endParaRPr>
+            </a:p>
+          </p:txBody>
+        </p:sp>
+        <p:cxnSp>
+          <p:nvCxnSpPr>
+            <p:cNvPr id="37" name="직선 연결선 36"/>
+            <p:cNvCxnSpPr/>
+            <p:nvPr/>
+          </p:nvCxnSpPr>
+          <p:spPr>
+            <a:xfrm>
+              <a:off x="1693422" y="929740"/>
+              <a:ext cx="1944216" cy="0"/>
+            </a:xfrm>
+            <a:prstGeom prst="line">
+              <a:avLst/>
+            </a:prstGeom>
+            <a:ln w="19050">
+              <a:solidFill>
+                <a:schemeClr val="tx1">
+                  <a:lumMod val="50000"/>
+                  <a:lumOff val="50000"/>
+                </a:schemeClr>
+              </a:solidFill>
+            </a:ln>
+          </p:spPr>
+          <p:style>
+            <a:lnRef idx="1">
+              <a:schemeClr val="accent1"/>
+            </a:lnRef>
+            <a:fillRef idx="0">
+              <a:schemeClr val="accent1"/>
+            </a:fillRef>
+            <a:effectRef idx="0">
+              <a:schemeClr val="accent1"/>
+            </a:effectRef>
+            <a:fontRef idx="minor">
+              <a:schemeClr val="tx1"/>
+            </a:fontRef>
+          </p:style>
+        </p:cxnSp>
+        <p:cxnSp>
+          <p:nvCxnSpPr>
+            <p:cNvPr id="38" name="직선 연결선 37"/>
+            <p:cNvCxnSpPr/>
+            <p:nvPr/>
+          </p:nvCxnSpPr>
+          <p:spPr>
+            <a:xfrm>
+              <a:off x="1333382" y="1218345"/>
+              <a:ext cx="1728192" cy="0"/>
+            </a:xfrm>
+            <a:prstGeom prst="line">
+              <a:avLst/>
+            </a:prstGeom>
+            <a:ln w="19050">
+              <a:solidFill>
+                <a:schemeClr val="tx1">
+                  <a:lumMod val="50000"/>
+                  <a:lumOff val="50000"/>
+                </a:schemeClr>
+              </a:solidFill>
+            </a:ln>
+          </p:spPr>
+          <p:style>
+            <a:lnRef idx="1">
+              <a:schemeClr val="accent1"/>
+            </a:lnRef>
+            <a:fillRef idx="0">
+              <a:schemeClr val="accent1"/>
+            </a:fillRef>
+            <a:effectRef idx="0">
+              <a:schemeClr val="accent1"/>
+            </a:effectRef>
+            <a:fontRef idx="minor">
+              <a:schemeClr val="tx1"/>
+            </a:fontRef>
+          </p:style>
+        </p:cxnSp>
+      </p:grpSp>
+    </p:spTree>
+    <p:extLst>
+      <p:ext uri="{BB962C8B-B14F-4D97-AF65-F5344CB8AC3E}">
+        <p14:creationId xmlns:p14="http://schemas.microsoft.com/office/powerpoint/2010/main" xmlns="" val="1830022981"/>
+      </p:ext>
+    </p:extLst>
+  </p:cSld>
+  <p:clrMapOvr>
+    <a:masterClrMapping/>
+  </p:clrMapOvr>
+  <p:timing>
+    <p:tnLst>
+      <p:par>
+        <p:cTn id="1" dur="indefinite" restart="never" nodeType="tmRoot"/>
+      </p:par>
+    </p:tnLst>
+  </p:timing>
+</p:sld>
+</file>
+
+<file path=ppt/slides/slide13.xml><?xml version="1.0" encoding="utf-8"?>
+<p:sld xmlns:a="http://schemas.openxmlformats.org/drawingml/2006/main" xmlns:r="http://schemas.openxmlformats.org/officeDocument/2006/relationships" xmlns:p="http://schemas.openxmlformats.org/presentationml/2006/main">
+  <p:cSld>
+    <p:spTree>
+      <p:nvGrpSpPr>
+        <p:cNvPr id="1" name=""/>
+        <p:cNvGrpSpPr/>
+        <p:nvPr/>
+      </p:nvGrpSpPr>
+      <p:grpSpPr>
+        <a:xfrm>
+          <a:off x="0" y="0"/>
+          <a:ext cx="0" cy="0"/>
+          <a:chOff x="0" y="0"/>
+          <a:chExt cx="0" cy="0"/>
+        </a:xfrm>
+      </p:grpSpPr>
+      <p:grpSp>
+        <p:nvGrpSpPr>
+          <p:cNvPr id="2" name="그룹 38"/>
+          <p:cNvGrpSpPr/>
+          <p:nvPr/>
+        </p:nvGrpSpPr>
+        <p:grpSpPr>
+          <a:xfrm>
+            <a:off x="26636" y="1742752"/>
+            <a:ext cx="9852728" cy="4226244"/>
+            <a:chOff x="10365968" y="1742752"/>
+            <a:chExt cx="9852728" cy="4226244"/>
+          </a:xfrm>
+        </p:grpSpPr>
+        <p:pic>
+          <p:nvPicPr>
+            <p:cNvPr id="40" name="그림 39" descr="springframework.png"/>
+            <p:cNvPicPr>
+              <a:picLocks noChangeAspect="1"/>
+            </p:cNvPicPr>
+            <p:nvPr/>
+          </p:nvPicPr>
+          <p:blipFill>
+            <a:blip r:embed="rId3">
+              <a:duotone>
+                <a:schemeClr val="accent3">
+                  <a:shade val="45000"/>
+                  <a:satMod val="135000"/>
+                </a:schemeClr>
+                <a:prstClr val="white"/>
+              </a:duotone>
+            </a:blip>
+            <a:stretch>
+              <a:fillRect/>
+            </a:stretch>
+          </p:blipFill>
+          <p:spPr>
+            <a:xfrm>
+              <a:off x="10365968" y="1742753"/>
+              <a:ext cx="9838563" cy="4226243"/>
+            </a:xfrm>
+            <a:prstGeom prst="rect">
+              <a:avLst/>
+            </a:prstGeom>
+          </p:spPr>
+        </p:pic>
+        <p:sp>
+          <p:nvSpPr>
+            <p:cNvPr id="41" name="직사각형 40"/>
+            <p:cNvSpPr/>
+            <p:nvPr/>
+          </p:nvSpPr>
+          <p:spPr>
+            <a:xfrm>
+              <a:off x="13954000" y="1742752"/>
+              <a:ext cx="6264696" cy="4226243"/>
+            </a:xfrm>
+            <a:prstGeom prst="rect">
+              <a:avLst/>
+            </a:prstGeom>
+            <a:gradFill flip="none" rotWithShape="1">
+              <a:gsLst>
+                <a:gs pos="0">
+                  <a:schemeClr val="tx1">
+                    <a:lumMod val="85000"/>
+                    <a:lumOff val="15000"/>
+                    <a:alpha val="0"/>
+                  </a:schemeClr>
+                </a:gs>
+                <a:gs pos="70000">
+                  <a:schemeClr val="tx1">
+                    <a:lumMod val="85000"/>
+                    <a:lumOff val="15000"/>
+                    <a:alpha val="80000"/>
+                  </a:schemeClr>
+                </a:gs>
+                <a:gs pos="100000">
+                  <a:schemeClr val="tx1">
+                    <a:lumMod val="85000"/>
+                    <a:lumOff val="15000"/>
+                    <a:alpha val="90000"/>
+                  </a:schemeClr>
+                </a:gs>
+              </a:gsLst>
+              <a:lin ang="0" scaled="1"/>
+              <a:tileRect/>
+            </a:gradFill>
+            <a:ln>
+              <a:noFill/>
+            </a:ln>
+          </p:spPr>
+          <p:style>
+            <a:lnRef idx="2">
+              <a:schemeClr val="accent1">
+                <a:shade val="50000"/>
+              </a:schemeClr>
+            </a:lnRef>
+            <a:fillRef idx="1">
+              <a:schemeClr val="accent1"/>
+            </a:fillRef>
+            <a:effectRef idx="0">
+              <a:schemeClr val="accent1"/>
+            </a:effectRef>
+            <a:fontRef idx="minor">
+              <a:schemeClr val="lt1"/>
+            </a:fontRef>
+          </p:style>
+          <p:txBody>
+            <a:bodyPr rtlCol="0" anchor="ctr"/>
+            <a:lstStyle/>
+            <a:p>
+              <a:pPr algn="ctr"/>
+              <a:endParaRPr lang="ko-KR" altLang="en-US"/>
+            </a:p>
+          </p:txBody>
+        </p:sp>
+      </p:grpSp>
+      <p:pic>
+        <p:nvPicPr>
+          <p:cNvPr id="6" name="Picture 2"/>
+          <p:cNvPicPr>
+            <a:picLocks noChangeAspect="1" noChangeArrowheads="1"/>
+          </p:cNvPicPr>
+          <p:nvPr/>
+        </p:nvPicPr>
+        <p:blipFill>
+          <a:blip r:embed="rId4"/>
+          <a:srcRect/>
+          <a:stretch>
+            <a:fillRect/>
+          </a:stretch>
+        </p:blipFill>
+        <p:spPr bwMode="auto">
+          <a:xfrm>
+            <a:off x="198120" y="1928802"/>
+            <a:ext cx="9509760" cy="3553778"/>
+          </a:xfrm>
+          <a:prstGeom prst="rect">
+            <a:avLst/>
+          </a:prstGeom>
+          <a:noFill/>
+          <a:ln w="9525">
+            <a:noFill/>
+            <a:miter lim="800000"/>
+            <a:headEnd/>
+            <a:tailEnd/>
+          </a:ln>
+          <a:effectLst/>
+        </p:spPr>
+      </p:pic>
+      <p:pic>
+        <p:nvPicPr>
+          <p:cNvPr id="2050" name="Picture 2" descr="C:\Users\USER\Desktop\2차 프로젝트(WEB)_4조\images\macbook_PNG36.png"/>
+          <p:cNvPicPr>
+            <a:picLocks noChangeAspect="1" noChangeArrowheads="1"/>
+          </p:cNvPicPr>
+          <p:nvPr/>
+        </p:nvPicPr>
+        <p:blipFill>
+          <a:blip r:embed="rId5"/>
+          <a:srcRect l="9199" r="9199"/>
+          <a:stretch>
+            <a:fillRect/>
+          </a:stretch>
+        </p:blipFill>
+        <p:spPr bwMode="auto">
+          <a:xfrm>
+            <a:off x="0" y="0"/>
+            <a:ext cx="9906000" cy="6970871"/>
+          </a:xfrm>
+          <a:prstGeom prst="rect">
+            <a:avLst/>
+          </a:prstGeom>
+          <a:noFill/>
+        </p:spPr>
+      </p:pic>
+      <p:sp>
+        <p:nvSpPr>
+          <p:cNvPr id="3" name="직사각형 2"/>
+          <p:cNvSpPr/>
+          <p:nvPr/>
+        </p:nvSpPr>
+        <p:spPr>
+          <a:xfrm>
+            <a:off x="0" y="0"/>
+            <a:ext cx="9906000" cy="6858000"/>
+          </a:xfrm>
+          <a:prstGeom prst="rect">
+            <a:avLst/>
+          </a:prstGeom>
+          <a:solidFill>
+            <a:schemeClr val="tx1">
+              <a:lumMod val="85000"/>
+              <a:lumOff val="15000"/>
+              <a:alpha val="40000"/>
+            </a:schemeClr>
+          </a:solidFill>
+          <a:ln>
+            <a:noFill/>
+          </a:ln>
+        </p:spPr>
+        <p:style>
+          <a:lnRef idx="2">
+            <a:schemeClr val="accent1">
+              <a:shade val="50000"/>
+            </a:schemeClr>
+          </a:lnRef>
+          <a:fillRef idx="1">
+            <a:schemeClr val="accent1"/>
+          </a:fillRef>
+          <a:effectRef idx="0">
+            <a:schemeClr val="accent1"/>
+          </a:effectRef>
+          <a:fontRef idx="minor">
+            <a:schemeClr val="lt1"/>
+          </a:fontRef>
+        </p:style>
+        <p:txBody>
+          <a:bodyPr rtlCol="0" anchor="ctr"/>
+          <a:lstStyle/>
+          <a:p>
+            <a:pPr algn="ctr"/>
+            <a:endParaRPr lang="ko-KR" altLang="en-US"/>
+          </a:p>
+        </p:txBody>
+      </p:sp>
+      <p:grpSp>
+        <p:nvGrpSpPr>
+          <p:cNvPr id="4" name="그룹 19"/>
+          <p:cNvGrpSpPr/>
+          <p:nvPr/>
+        </p:nvGrpSpPr>
+        <p:grpSpPr>
+          <a:xfrm>
+            <a:off x="469098" y="1213678"/>
+            <a:ext cx="5564022" cy="400110"/>
+            <a:chOff x="469098" y="1285686"/>
+            <a:chExt cx="4843942" cy="400110"/>
+          </a:xfrm>
+        </p:grpSpPr>
+        <p:sp>
+          <p:nvSpPr>
+            <p:cNvPr id="24" name="TextBox 23"/>
+            <p:cNvSpPr txBox="1"/>
+            <p:nvPr/>
+          </p:nvSpPr>
+          <p:spPr>
+            <a:xfrm>
+              <a:off x="469098" y="1285686"/>
+              <a:ext cx="4843942" cy="400110"/>
+            </a:xfrm>
+            <a:prstGeom prst="rect">
+              <a:avLst/>
+            </a:prstGeom>
+            <a:noFill/>
+          </p:spPr>
+          <p:txBody>
+            <a:bodyPr wrap="square" rtlCol="0">
+              <a:spAutoFit/>
+            </a:bodyPr>
+            <a:lstStyle/>
+            <a:p>
+              <a:r>
+                <a:rPr lang="en-US" altLang="ko-KR" sz="2000" dirty="0" smtClean="0">
+                  <a:solidFill>
+                    <a:schemeClr val="bg1">
+                      <a:lumMod val="95000"/>
+                    </a:schemeClr>
+                  </a:solidFill>
+                  <a:latin typeface="한컴 윤고딕 250" pitchFamily="18" charset="-127"/>
+                  <a:ea typeface="한컴 윤고딕 250" pitchFamily="18" charset="-127"/>
+                </a:rPr>
+                <a:t>Multiple </a:t>
+              </a:r>
+              <a:r>
+                <a:rPr lang="en-US" altLang="ko-KR" sz="2000" dirty="0" err="1" smtClean="0">
+                  <a:solidFill>
+                    <a:schemeClr val="bg1">
+                      <a:lumMod val="95000"/>
+                    </a:schemeClr>
+                  </a:solidFill>
+                  <a:latin typeface="한컴 윤고딕 250" pitchFamily="18" charset="-127"/>
+                  <a:ea typeface="한컴 윤고딕 250" pitchFamily="18" charset="-127"/>
+                </a:rPr>
+                <a:t>ViewResolver</a:t>
+              </a:r>
+              <a:r>
+                <a:rPr lang="en-US" altLang="ko-KR" sz="2000" dirty="0" smtClean="0">
+                  <a:solidFill>
+                    <a:schemeClr val="bg1">
+                      <a:lumMod val="95000"/>
+                    </a:schemeClr>
+                  </a:solidFill>
+                  <a:latin typeface="한컴 윤고딕 250" pitchFamily="18" charset="-127"/>
+                  <a:ea typeface="한컴 윤고딕 250" pitchFamily="18" charset="-127"/>
+                </a:rPr>
+                <a:t> </a:t>
+              </a:r>
+              <a:r>
+                <a:rPr lang="ko-KR" altLang="en-US" sz="2000" dirty="0" smtClean="0">
+                  <a:solidFill>
+                    <a:schemeClr val="bg1">
+                      <a:lumMod val="95000"/>
+                    </a:schemeClr>
+                  </a:solidFill>
+                  <a:latin typeface="한컴 윤고딕 250" pitchFamily="18" charset="-127"/>
+                  <a:ea typeface="한컴 윤고딕 250" pitchFamily="18" charset="-127"/>
+                </a:rPr>
+                <a:t>사용 예제</a:t>
+              </a:r>
+              <a:endParaRPr lang="en-US" altLang="ko-KR" sz="2000" dirty="0" smtClean="0">
+                <a:solidFill>
+                  <a:schemeClr val="bg1">
+                    <a:lumMod val="95000"/>
+                  </a:schemeClr>
+                </a:solidFill>
+                <a:latin typeface="한컴 윤고딕 250" pitchFamily="18" charset="-127"/>
+                <a:ea typeface="한컴 윤고딕 250" pitchFamily="18" charset="-127"/>
+              </a:endParaRPr>
+            </a:p>
+          </p:txBody>
+        </p:sp>
+        <p:cxnSp>
+          <p:nvCxnSpPr>
+            <p:cNvPr id="26" name="직선 연결선 25"/>
+            <p:cNvCxnSpPr/>
+            <p:nvPr/>
+          </p:nvCxnSpPr>
+          <p:spPr>
+            <a:xfrm>
+              <a:off x="577204" y="1685796"/>
+              <a:ext cx="3886282" cy="0"/>
+            </a:xfrm>
+            <a:prstGeom prst="line">
+              <a:avLst/>
+            </a:prstGeom>
+            <a:ln w="19050">
+              <a:solidFill>
+                <a:schemeClr val="bg1">
+                  <a:lumMod val="75000"/>
+                </a:schemeClr>
+              </a:solidFill>
+            </a:ln>
+          </p:spPr>
+          <p:style>
+            <a:lnRef idx="1">
+              <a:schemeClr val="accent1"/>
+            </a:lnRef>
+            <a:fillRef idx="0">
+              <a:schemeClr val="accent1"/>
+            </a:fillRef>
+            <a:effectRef idx="0">
+              <a:schemeClr val="accent1"/>
+            </a:effectRef>
+            <a:fontRef idx="minor">
+              <a:schemeClr val="tx1"/>
+            </a:fontRef>
+          </p:style>
+        </p:cxnSp>
+      </p:grpSp>
+      <p:grpSp>
+        <p:nvGrpSpPr>
+          <p:cNvPr id="5" name="그룹 28"/>
+          <p:cNvGrpSpPr/>
+          <p:nvPr/>
+        </p:nvGrpSpPr>
+        <p:grpSpPr>
+          <a:xfrm>
+            <a:off x="5851866" y="641157"/>
+            <a:ext cx="4357718" cy="613925"/>
+            <a:chOff x="0" y="641157"/>
+            <a:chExt cx="4357718" cy="613925"/>
+          </a:xfrm>
+        </p:grpSpPr>
+        <p:sp>
+          <p:nvSpPr>
+            <p:cNvPr id="31" name="TextBox 30"/>
+            <p:cNvSpPr txBox="1"/>
+            <p:nvPr/>
+          </p:nvSpPr>
+          <p:spPr>
+            <a:xfrm>
+              <a:off x="1643074" y="641157"/>
+              <a:ext cx="2714644" cy="307777"/>
+            </a:xfrm>
+            <a:prstGeom prst="rect">
+              <a:avLst/>
+            </a:prstGeom>
+            <a:noFill/>
+            <a:ln>
+              <a:noFill/>
+            </a:ln>
+          </p:spPr>
+          <p:txBody>
+            <a:bodyPr wrap="square" rtlCol="0">
+              <a:spAutoFit/>
+            </a:bodyPr>
+            <a:lstStyle/>
+            <a:p>
+              <a:r>
+                <a:rPr lang="en-US" altLang="ko-KR" sz="1400" dirty="0" err="1" smtClean="0">
+                  <a:solidFill>
+                    <a:schemeClr val="tx1">
+                      <a:lumMod val="65000"/>
+                      <a:lumOff val="35000"/>
+                    </a:schemeClr>
+                  </a:solidFill>
+                  <a:latin typeface="한컴 윤고딕 250" pitchFamily="18" charset="-127"/>
+                  <a:ea typeface="한컴 윤고딕 250" pitchFamily="18" charset="-127"/>
+                </a:rPr>
+                <a:t>SpringFramework</a:t>
+              </a:r>
+              <a:endParaRPr lang="en-US" altLang="ko-KR" sz="1400" dirty="0" smtClean="0">
+                <a:solidFill>
+                  <a:schemeClr val="tx1">
+                    <a:lumMod val="65000"/>
+                    <a:lumOff val="35000"/>
+                  </a:schemeClr>
+                </a:solidFill>
+                <a:latin typeface="한컴 윤고딕 250" pitchFamily="18" charset="-127"/>
+                <a:ea typeface="한컴 윤고딕 250" pitchFamily="18" charset="-127"/>
+              </a:endParaRPr>
+            </a:p>
+          </p:txBody>
+        </p:sp>
+        <p:sp>
+          <p:nvSpPr>
+            <p:cNvPr id="33" name="TextBox 32"/>
+            <p:cNvSpPr txBox="1"/>
+            <p:nvPr/>
+          </p:nvSpPr>
+          <p:spPr>
+            <a:xfrm>
+              <a:off x="0" y="916528"/>
+              <a:ext cx="4357718" cy="338554"/>
+            </a:xfrm>
+            <a:prstGeom prst="rect">
+              <a:avLst/>
+            </a:prstGeom>
+            <a:noFill/>
+            <a:ln>
+              <a:noFill/>
+            </a:ln>
+          </p:spPr>
+          <p:txBody>
+            <a:bodyPr wrap="square" rtlCol="0">
+              <a:spAutoFit/>
+            </a:bodyPr>
+            <a:lstStyle/>
+            <a:p>
+              <a:pPr algn="ctr"/>
+              <a:r>
+                <a:rPr lang="en-US" altLang="ko-KR" sz="1600" dirty="0" err="1">
+                  <a:solidFill>
+                    <a:schemeClr val="tx1">
+                      <a:lumMod val="65000"/>
+                      <a:lumOff val="35000"/>
+                    </a:schemeClr>
+                  </a:solidFill>
+                  <a:latin typeface="한컴 윤고딕 250" pitchFamily="18" charset="-127"/>
+                  <a:ea typeface="한컴 윤고딕 250" pitchFamily="18" charset="-127"/>
+                </a:rPr>
+                <a:t>ViewResolver</a:t>
+              </a:r>
+              <a:endParaRPr lang="ko-KR" altLang="en-US" sz="1600" dirty="0">
+                <a:solidFill>
+                  <a:schemeClr val="tx1">
+                    <a:lumMod val="65000"/>
+                    <a:lumOff val="35000"/>
+                  </a:schemeClr>
+                </a:solidFill>
+                <a:latin typeface="한컴 윤고딕 250" pitchFamily="18" charset="-127"/>
+                <a:ea typeface="한컴 윤고딕 250" pitchFamily="18" charset="-127"/>
+              </a:endParaRPr>
+            </a:p>
+          </p:txBody>
+        </p:sp>
+        <p:cxnSp>
+          <p:nvCxnSpPr>
+            <p:cNvPr id="37" name="직선 연결선 36"/>
+            <p:cNvCxnSpPr/>
+            <p:nvPr/>
+          </p:nvCxnSpPr>
+          <p:spPr>
+            <a:xfrm>
+              <a:off x="1693422" y="929740"/>
+              <a:ext cx="1944216" cy="0"/>
+            </a:xfrm>
+            <a:prstGeom prst="line">
+              <a:avLst/>
+            </a:prstGeom>
+            <a:ln w="19050">
+              <a:solidFill>
+                <a:schemeClr val="tx1">
+                  <a:lumMod val="50000"/>
+                  <a:lumOff val="50000"/>
+                </a:schemeClr>
+              </a:solidFill>
+            </a:ln>
+          </p:spPr>
+          <p:style>
+            <a:lnRef idx="1">
+              <a:schemeClr val="accent1"/>
+            </a:lnRef>
+            <a:fillRef idx="0">
+              <a:schemeClr val="accent1"/>
+            </a:fillRef>
+            <a:effectRef idx="0">
+              <a:schemeClr val="accent1"/>
+            </a:effectRef>
+            <a:fontRef idx="minor">
+              <a:schemeClr val="tx1"/>
+            </a:fontRef>
+          </p:style>
+        </p:cxnSp>
+        <p:cxnSp>
+          <p:nvCxnSpPr>
+            <p:cNvPr id="38" name="직선 연결선 37"/>
+            <p:cNvCxnSpPr/>
+            <p:nvPr/>
+          </p:nvCxnSpPr>
+          <p:spPr>
+            <a:xfrm>
+              <a:off x="1333382" y="1218345"/>
+              <a:ext cx="1728192" cy="0"/>
+            </a:xfrm>
+            <a:prstGeom prst="line">
+              <a:avLst/>
+            </a:prstGeom>
+            <a:ln w="19050">
+              <a:solidFill>
+                <a:schemeClr val="tx1">
+                  <a:lumMod val="50000"/>
+                  <a:lumOff val="50000"/>
+                </a:schemeClr>
+              </a:solidFill>
+            </a:ln>
+          </p:spPr>
+          <p:style>
+            <a:lnRef idx="1">
+              <a:schemeClr val="accent1"/>
+            </a:lnRef>
+            <a:fillRef idx="0">
+              <a:schemeClr val="accent1"/>
+            </a:fillRef>
+            <a:effectRef idx="0">
+              <a:schemeClr val="accent1"/>
+            </a:effectRef>
+            <a:fontRef idx="minor">
+              <a:schemeClr val="tx1"/>
+            </a:fontRef>
+          </p:style>
+        </p:cxnSp>
+      </p:grpSp>
+    </p:spTree>
+    <p:extLst>
+      <p:ext uri="{BB962C8B-B14F-4D97-AF65-F5344CB8AC3E}">
+        <p14:creationId xmlns:p14="http://schemas.microsoft.com/office/powerpoint/2010/main" xmlns="" val="1830022981"/>
       </p:ext>
     </p:extLst>
   </p:cSld>
@@ -6924,7 +9718,7 @@
           <a:blip r:embed="rId4">
             <a:extLst>
               <a:ext uri="{28A0092B-C50C-407E-A947-70E740481C1C}">
-                <a14:useLocalDpi xmlns:a14="http://schemas.microsoft.com/office/drawing/2010/main" val="0"/>
+                <a14:useLocalDpi xmlns:a14="http://schemas.microsoft.com/office/drawing/2010/main" xmlns="" val="0"/>
               </a:ext>
             </a:extLst>
           </a:blip>
@@ -7281,15 +10075,6 @@
                 </a:rPr>
                 <a:t> Strategy Pattern</a:t>
               </a:r>
-              <a:endParaRPr lang="en-US" altLang="ko-KR" sz="2000" dirty="0" smtClean="0">
-                <a:solidFill>
-                  <a:schemeClr val="bg1">
-                    <a:lumMod val="95000"/>
-                  </a:schemeClr>
-                </a:solidFill>
-                <a:latin typeface="한컴 윤고딕 250" pitchFamily="18" charset="-127"/>
-                <a:ea typeface="한컴 윤고딕 250" pitchFamily="18" charset="-127"/>
-              </a:endParaRPr>
             </a:p>
           </p:txBody>
         </p:sp>
@@ -7334,7 +10119,7 @@
     </p:spTree>
     <p:extLst>
       <p:ext uri="{BB962C8B-B14F-4D97-AF65-F5344CB8AC3E}">
-        <p14:creationId xmlns:p14="http://schemas.microsoft.com/office/powerpoint/2010/main" val="1595481233"/>
+        <p14:creationId xmlns:p14="http://schemas.microsoft.com/office/powerpoint/2010/main" xmlns="" val="1595481233"/>
       </p:ext>
     </p:extLst>
   </p:cSld>
@@ -7497,7 +10282,7 @@
           <a:blip r:embed="rId4">
             <a:extLst>
               <a:ext uri="{28A0092B-C50C-407E-A947-70E740481C1C}">
-                <a14:useLocalDpi xmlns:a14="http://schemas.microsoft.com/office/drawing/2010/main" val="0"/>
+                <a14:useLocalDpi xmlns:a14="http://schemas.microsoft.com/office/drawing/2010/main" xmlns="" val="0"/>
               </a:ext>
             </a:extLst>
           </a:blip>
@@ -7854,15 +10639,6 @@
                 </a:rPr>
                 <a:t> Strategy Pattern</a:t>
               </a:r>
-              <a:endParaRPr lang="en-US" altLang="ko-KR" sz="2000" dirty="0" smtClean="0">
-                <a:solidFill>
-                  <a:schemeClr val="bg1">
-                    <a:lumMod val="95000"/>
-                  </a:schemeClr>
-                </a:solidFill>
-                <a:latin typeface="한컴 윤고딕 250" pitchFamily="18" charset="-127"/>
-                <a:ea typeface="한컴 윤고딕 250" pitchFamily="18" charset="-127"/>
-              </a:endParaRPr>
             </a:p>
           </p:txBody>
         </p:sp>
@@ -7907,7 +10683,7 @@
     </p:spTree>
     <p:extLst>
       <p:ext uri="{BB962C8B-B14F-4D97-AF65-F5344CB8AC3E}">
-        <p14:creationId xmlns:p14="http://schemas.microsoft.com/office/powerpoint/2010/main" val="791476954"/>
+        <p14:creationId xmlns:p14="http://schemas.microsoft.com/office/powerpoint/2010/main" xmlns="" val="791476954"/>
       </p:ext>
     </p:extLst>
   </p:cSld>
@@ -8782,15 +11558,6 @@
               </a:rPr>
               <a:t>.</a:t>
             </a:r>
-            <a:endParaRPr lang="en-US" altLang="ko-KR" sz="1600" dirty="0" smtClean="0">
-              <a:solidFill>
-                <a:schemeClr val="bg1">
-                  <a:lumMod val="95000"/>
-                </a:schemeClr>
-              </a:solidFill>
-              <a:latin typeface="한컴 윤고딕 230" panose="02020603020101020101" pitchFamily="18" charset="-127"/>
-              <a:ea typeface="한컴 윤고딕 230" panose="02020603020101020101" pitchFamily="18" charset="-127"/>
-            </a:endParaRPr>
           </a:p>
           <a:p>
             <a:pPr marL="285750" indent="-285750">
@@ -9204,7 +11971,7 @@
     </p:spTree>
     <p:extLst>
       <p:ext uri="{BB962C8B-B14F-4D97-AF65-F5344CB8AC3E}">
-        <p14:creationId xmlns:p14="http://schemas.microsoft.com/office/powerpoint/2010/main" val="1843104547"/>
+        <p14:creationId xmlns:p14="http://schemas.microsoft.com/office/powerpoint/2010/main" xmlns="" val="1843104547"/>
       </p:ext>
     </p:extLst>
   </p:cSld>
@@ -10473,7 +13240,7 @@
     </p:spTree>
     <p:extLst>
       <p:ext uri="{BB962C8B-B14F-4D97-AF65-F5344CB8AC3E}">
-        <p14:creationId xmlns:p14="http://schemas.microsoft.com/office/powerpoint/2010/main" val="694169938"/>
+        <p14:creationId xmlns:p14="http://schemas.microsoft.com/office/powerpoint/2010/main" xmlns="" val="694169938"/>
       </p:ext>
     </p:extLst>
   </p:cSld>
@@ -11896,7 +14663,7 @@
     </p:spTree>
     <p:extLst>
       <p:ext uri="{BB962C8B-B14F-4D97-AF65-F5344CB8AC3E}">
-        <p14:creationId xmlns:p14="http://schemas.microsoft.com/office/powerpoint/2010/main" val="1445566765"/>
+        <p14:creationId xmlns:p14="http://schemas.microsoft.com/office/powerpoint/2010/main" xmlns="" val="1445566765"/>
       </p:ext>
     </p:extLst>
   </p:cSld>
@@ -13165,7 +15932,7 @@
     </p:spTree>
     <p:extLst>
       <p:ext uri="{BB962C8B-B14F-4D97-AF65-F5344CB8AC3E}">
-        <p14:creationId xmlns:p14="http://schemas.microsoft.com/office/powerpoint/2010/main" val="4243244033"/>
+        <p14:creationId xmlns:p14="http://schemas.microsoft.com/office/powerpoint/2010/main" xmlns="" val="4243244033"/>
       </p:ext>
     </p:extLst>
   </p:cSld>
@@ -14735,7 +17502,7 @@
     </p:spTree>
     <p:extLst>
       <p:ext uri="{BB962C8B-B14F-4D97-AF65-F5344CB8AC3E}">
-        <p14:creationId xmlns:p14="http://schemas.microsoft.com/office/powerpoint/2010/main" val="500672231"/>
+        <p14:creationId xmlns:p14="http://schemas.microsoft.com/office/powerpoint/2010/main" xmlns="" val="500672231"/>
       </p:ext>
     </p:extLst>
   </p:cSld>
@@ -15078,7 +17845,7 @@
     </a:clrScheme>
     <a:fontScheme name="Office">
       <a:majorFont>
-        <a:latin typeface="맑은 고딕" panose="020F0302020204030204"/>
+        <a:latin typeface="맑은 고딕"/>
         <a:ea typeface=""/>
         <a:cs typeface=""/>
         <a:font script="Jpan" typeface="游ゴシック Light"/>
@@ -15113,7 +17880,7 @@
         <a:font script="Geor" typeface="Sylfaen"/>
       </a:majorFont>
       <a:minorFont>
-        <a:latin typeface="맑은 고딕" panose="020F0502020204030204"/>
+        <a:latin typeface="맑은 고딕"/>
         <a:ea typeface=""/>
         <a:cs typeface=""/>
         <a:font script="Jpan" typeface="游ゴシック"/>
@@ -15290,7 +18057,7 @@
   <a:extraClrSchemeLst/>
   <a:extLst>
     <a:ext uri="{05A4C25C-085E-4340-85A3-A5531E510DB2}">
-      <thm15:themeFamily xmlns:thm15="http://schemas.microsoft.com/office/thememl/2012/main" name="Office Theme" id="{62F939B6-93AF-4DB8-9C6B-D6C7DFDC589F}" vid="{4A3C46E8-61CC-4603-A589-7422A47A8E4A}"/>
+      <thm15:themeFamily xmlns:thm15="http://schemas.microsoft.com/office/thememl/2012/main" xmlns="" name="Office Theme" id="{62F939B6-93AF-4DB8-9C6B-D6C7DFDC589F}" vid="{4A3C46E8-61CC-4603-A589-7422A47A8E4A}"/>
     </a:ext>
   </a:extLst>
 </a:theme>
